--- a/stock_research/OnlineStockPredictor2021/docs/System design and specifications.pptx
+++ b/stock_research/OnlineStockPredictor2021/docs/System design and specifications.pptx
@@ -265,7 +265,7 @@
           <a:lstStyle/>
           <a:p>
             <a:fld id="{B377D5B7-9D25-2B47-858F-2061CCD24FEA}" type="datetimeFigureOut">
-              <a:t>2/6/21</a:t>
+              <a:t>3/20/21</a:t>
             </a:fld>
             <a:endParaRPr lang="en-US"/>
           </a:p>
@@ -472,7 +472,7 @@
           <a:lstStyle/>
           <a:p>
             <a:fld id="{B377D5B7-9D25-2B47-858F-2061CCD24FEA}" type="datetimeFigureOut">
-              <a:t>2/6/21</a:t>
+              <a:t>3/20/21</a:t>
             </a:fld>
             <a:endParaRPr lang="en-US"/>
           </a:p>
@@ -683,7 +683,7 @@
           <a:lstStyle/>
           <a:p>
             <a:fld id="{B377D5B7-9D25-2B47-858F-2061CCD24FEA}" type="datetimeFigureOut">
-              <a:t>2/6/21</a:t>
+              <a:t>3/20/21</a:t>
             </a:fld>
             <a:endParaRPr lang="en-US"/>
           </a:p>
@@ -880,7 +880,7 @@
           <a:lstStyle/>
           <a:p>
             <a:fld id="{B377D5B7-9D25-2B47-858F-2061CCD24FEA}" type="datetimeFigureOut">
-              <a:t>2/6/21</a:t>
+              <a:t>3/20/21</a:t>
             </a:fld>
             <a:endParaRPr lang="en-US"/>
           </a:p>
@@ -1156,7 +1156,7 @@
           <a:lstStyle/>
           <a:p>
             <a:fld id="{B377D5B7-9D25-2B47-858F-2061CCD24FEA}" type="datetimeFigureOut">
-              <a:t>2/6/21</a:t>
+              <a:t>3/20/21</a:t>
             </a:fld>
             <a:endParaRPr lang="en-US"/>
           </a:p>
@@ -1419,7 +1419,7 @@
           <a:lstStyle/>
           <a:p>
             <a:fld id="{B377D5B7-9D25-2B47-858F-2061CCD24FEA}" type="datetimeFigureOut">
-              <a:t>2/6/21</a:t>
+              <a:t>3/20/21</a:t>
             </a:fld>
             <a:endParaRPr lang="en-US"/>
           </a:p>
@@ -1830,7 +1830,7 @@
           <a:lstStyle/>
           <a:p>
             <a:fld id="{B377D5B7-9D25-2B47-858F-2061CCD24FEA}" type="datetimeFigureOut">
-              <a:t>2/6/21</a:t>
+              <a:t>3/20/21</a:t>
             </a:fld>
             <a:endParaRPr lang="en-US"/>
           </a:p>
@@ -1976,7 +1976,7 @@
           <a:lstStyle/>
           <a:p>
             <a:fld id="{B377D5B7-9D25-2B47-858F-2061CCD24FEA}" type="datetimeFigureOut">
-              <a:t>2/6/21</a:t>
+              <a:t>3/20/21</a:t>
             </a:fld>
             <a:endParaRPr lang="en-US"/>
           </a:p>
@@ -2100,7 +2100,7 @@
           <a:lstStyle/>
           <a:p>
             <a:fld id="{B377D5B7-9D25-2B47-858F-2061CCD24FEA}" type="datetimeFigureOut">
-              <a:t>2/6/21</a:t>
+              <a:t>3/20/21</a:t>
             </a:fld>
             <a:endParaRPr lang="en-US"/>
           </a:p>
@@ -2347,7 +2347,7 @@
           <a:lstStyle/>
           <a:p>
             <a:fld id="{B377D5B7-9D25-2B47-858F-2061CCD24FEA}" type="datetimeFigureOut">
-              <a:t>2/6/21</a:t>
+              <a:t>3/20/21</a:t>
             </a:fld>
             <a:endParaRPr lang="en-US"/>
           </a:p>
@@ -2788,7 +2788,7 @@
           </a:lstStyle>
           <a:p>
             <a:fld id="{B377D5B7-9D25-2B47-858F-2061CCD24FEA}" type="datetimeFigureOut">
-              <a:t>2/6/21</a:t>
+              <a:t>3/20/21</a:t>
             </a:fld>
             <a:endParaRPr lang="en-US"/>
           </a:p>
@@ -3111,7 +3111,7 @@
           </a:lstStyle>
           <a:p>
             <a:fld id="{B377D5B7-9D25-2B47-858F-2061CCD24FEA}" type="datetimeFigureOut">
-              <a:t>2/6/21</a:t>
+              <a:t>3/20/21</a:t>
             </a:fld>
             <a:endParaRPr lang="en-US"/>
           </a:p>
@@ -3692,12 +3692,45 @@
           <a:chExt cx="0" cy="0"/>
         </a:xfrm>
       </p:grpSpPr>
+      <p:sp>
+        <p:nvSpPr>
+          <p:cNvPr id="3" name="Title 2">
+            <a:extLst>
+              <a:ext uri="{FF2B5EF4-FFF2-40B4-BE49-F238E27FC236}">
+                <a16:creationId xmlns:a16="http://schemas.microsoft.com/office/drawing/2014/main" id="{F8D78FF1-8EF9-5B40-97FD-A983E13862C0}"/>
+              </a:ext>
+            </a:extLst>
+          </p:cNvPr>
+          <p:cNvSpPr>
+            <a:spLocks noGrp="1"/>
+          </p:cNvSpPr>
+          <p:nvPr>
+            <p:ph type="title"/>
+          </p:nvPr>
+        </p:nvSpPr>
+        <p:spPr>
+          <a:xfrm>
+            <a:off x="1439780" y="779731"/>
+            <a:ext cx="9603275" cy="1049235"/>
+          </a:xfrm>
+        </p:spPr>
+        <p:txBody>
+          <a:bodyPr/>
+          <a:lstStyle/>
+          <a:p>
+            <a:r>
+              <a:rPr lang="en-US"/>
+              <a:t>System architecture</a:t>
+            </a:r>
+          </a:p>
+        </p:txBody>
+      </p:sp>
       <p:grpSp>
         <p:nvGrpSpPr>
-          <p:cNvPr id="34" name="Group 33">
+          <p:cNvPr id="91" name="Group 90">
             <a:extLst>
               <a:ext uri="{FF2B5EF4-FFF2-40B4-BE49-F238E27FC236}">
-                <a16:creationId xmlns:a16="http://schemas.microsoft.com/office/drawing/2014/main" id="{3BE4308B-FF41-B24D-ADA2-71527D6B1D15}"/>
+                <a16:creationId xmlns:a16="http://schemas.microsoft.com/office/drawing/2014/main" id="{9B1984E0-8110-9748-9D89-B6F785052061}"/>
               </a:ext>
             </a:extLst>
           </p:cNvPr>
@@ -3707,17 +3740,1176 @@
         <p:grpSpPr>
           <a:xfrm>
             <a:off x="1439780" y="1724137"/>
-            <a:ext cx="9562824" cy="3409725"/>
-            <a:chOff x="1386579" y="2210359"/>
-            <a:chExt cx="9562824" cy="3409725"/>
+            <a:ext cx="10341585" cy="4009830"/>
+            <a:chOff x="1439780" y="1724137"/>
+            <a:chExt cx="10341585" cy="4009830"/>
           </a:xfrm>
         </p:grpSpPr>
+        <p:grpSp>
+          <p:nvGrpSpPr>
+            <p:cNvPr id="34" name="Group 33">
+              <a:extLst>
+                <a:ext uri="{FF2B5EF4-FFF2-40B4-BE49-F238E27FC236}">
+                  <a16:creationId xmlns:a16="http://schemas.microsoft.com/office/drawing/2014/main" id="{3BE4308B-FF41-B24D-ADA2-71527D6B1D15}"/>
+                </a:ext>
+              </a:extLst>
+            </p:cNvPr>
+            <p:cNvGrpSpPr/>
+            <p:nvPr/>
+          </p:nvGrpSpPr>
+          <p:grpSpPr>
+            <a:xfrm>
+              <a:off x="1439780" y="1724137"/>
+              <a:ext cx="9562824" cy="3409725"/>
+              <a:chOff x="1386579" y="2210359"/>
+              <a:chExt cx="9562824" cy="3409725"/>
+            </a:xfrm>
+          </p:grpSpPr>
+          <p:sp>
+            <p:nvSpPr>
+              <p:cNvPr id="2" name="Rectangle 1">
+                <a:extLst>
+                  <a:ext uri="{FF2B5EF4-FFF2-40B4-BE49-F238E27FC236}">
+                    <a16:creationId xmlns:a16="http://schemas.microsoft.com/office/drawing/2014/main" id="{6BAD29B1-EACA-CF47-AFD9-E71E68A21F57}"/>
+                  </a:ext>
+                </a:extLst>
+              </p:cNvPr>
+              <p:cNvSpPr/>
+              <p:nvPr/>
+            </p:nvSpPr>
+            <p:spPr>
+              <a:xfrm>
+                <a:off x="4594626" y="3600617"/>
+                <a:ext cx="1445491" cy="625891"/>
+              </a:xfrm>
+              <a:prstGeom prst="rect">
+                <a:avLst/>
+              </a:prstGeom>
+            </p:spPr>
+            <p:style>
+              <a:lnRef idx="2">
+                <a:schemeClr val="accent1">
+                  <a:shade val="50000"/>
+                </a:schemeClr>
+              </a:lnRef>
+              <a:fillRef idx="1">
+                <a:schemeClr val="accent1"/>
+              </a:fillRef>
+              <a:effectRef idx="0">
+                <a:schemeClr val="accent1"/>
+              </a:effectRef>
+              <a:fontRef idx="minor">
+                <a:schemeClr val="lt1"/>
+              </a:fontRef>
+            </p:style>
+            <p:txBody>
+              <a:bodyPr rtlCol="0" anchor="ctr"/>
+              <a:lstStyle/>
+              <a:p>
+                <a:pPr algn="ctr"/>
+                <a:r>
+                  <a:rPr lang="en-US" sz="1600"/>
+                  <a:t>ModelTrainer</a:t>
+                </a:r>
+              </a:p>
+            </p:txBody>
+          </p:sp>
+          <p:sp>
+            <p:nvSpPr>
+              <p:cNvPr id="4" name="Magnetic Disk 3">
+                <a:extLst>
+                  <a:ext uri="{FF2B5EF4-FFF2-40B4-BE49-F238E27FC236}">
+                    <a16:creationId xmlns:a16="http://schemas.microsoft.com/office/drawing/2014/main" id="{99556034-464C-B047-AD96-E69AD147B885}"/>
+                  </a:ext>
+                </a:extLst>
+              </p:cNvPr>
+              <p:cNvSpPr/>
+              <p:nvPr/>
+            </p:nvSpPr>
+            <p:spPr>
+              <a:xfrm>
+                <a:off x="6994398" y="3980470"/>
+                <a:ext cx="1633307" cy="1639614"/>
+              </a:xfrm>
+              <a:prstGeom prst="flowChartMagneticDisk">
+                <a:avLst/>
+              </a:prstGeom>
+              <a:solidFill>
+                <a:schemeClr val="accent1">
+                  <a:lumMod val="20000"/>
+                  <a:lumOff val="80000"/>
+                </a:schemeClr>
+              </a:solidFill>
+            </p:spPr>
+            <p:style>
+              <a:lnRef idx="2">
+                <a:schemeClr val="accent1">
+                  <a:shade val="50000"/>
+                </a:schemeClr>
+              </a:lnRef>
+              <a:fillRef idx="1">
+                <a:schemeClr val="accent1"/>
+              </a:fillRef>
+              <a:effectRef idx="0">
+                <a:schemeClr val="accent1"/>
+              </a:effectRef>
+              <a:fontRef idx="minor">
+                <a:schemeClr val="lt1"/>
+              </a:fontRef>
+            </p:style>
+            <p:txBody>
+              <a:bodyPr rtlCol="0" anchor="ctr"/>
+              <a:lstStyle/>
+              <a:p>
+                <a:pPr algn="ctr"/>
+                <a:endParaRPr lang="en-US"/>
+              </a:p>
+            </p:txBody>
+          </p:sp>
+          <p:sp>
+            <p:nvSpPr>
+              <p:cNvPr id="11" name="Rectangle 10">
+                <a:extLst>
+                  <a:ext uri="{FF2B5EF4-FFF2-40B4-BE49-F238E27FC236}">
+                    <a16:creationId xmlns:a16="http://schemas.microsoft.com/office/drawing/2014/main" id="{0F6B227B-B701-3A41-923E-89E6E50E9A55}"/>
+                  </a:ext>
+                </a:extLst>
+              </p:cNvPr>
+              <p:cNvSpPr/>
+              <p:nvPr/>
+            </p:nvSpPr>
+            <p:spPr>
+              <a:xfrm>
+                <a:off x="6931408" y="2408487"/>
+                <a:ext cx="1696297" cy="909145"/>
+              </a:xfrm>
+              <a:prstGeom prst="rect">
+                <a:avLst/>
+              </a:prstGeom>
+            </p:spPr>
+            <p:style>
+              <a:lnRef idx="2">
+                <a:schemeClr val="accent1">
+                  <a:shade val="50000"/>
+                </a:schemeClr>
+              </a:lnRef>
+              <a:fillRef idx="1">
+                <a:schemeClr val="accent1"/>
+              </a:fillRef>
+              <a:effectRef idx="0">
+                <a:schemeClr val="accent1"/>
+              </a:effectRef>
+              <a:fontRef idx="minor">
+                <a:schemeClr val="lt1"/>
+              </a:fontRef>
+            </p:style>
+            <p:txBody>
+              <a:bodyPr rtlCol="0" anchor="ctr"/>
+              <a:lstStyle/>
+              <a:p>
+                <a:pPr algn="ctr"/>
+                <a:endParaRPr lang="en-US" sz="1600"/>
+              </a:p>
+            </p:txBody>
+          </p:sp>
+          <p:cxnSp>
+            <p:nvCxnSpPr>
+              <p:cNvPr id="12" name="Straight Arrow Connector 11">
+                <a:extLst>
+                  <a:ext uri="{FF2B5EF4-FFF2-40B4-BE49-F238E27FC236}">
+                    <a16:creationId xmlns:a16="http://schemas.microsoft.com/office/drawing/2014/main" id="{E850A1B3-B16B-2E49-BBD0-7E7ADA782C22}"/>
+                  </a:ext>
+                </a:extLst>
+              </p:cNvPr>
+              <p:cNvCxnSpPr>
+                <a:cxnSpLocks/>
+                <a:stCxn id="2" idx="3"/>
+                <a:endCxn id="9" idx="1"/>
+              </p:cNvCxnSpPr>
+              <p:nvPr/>
+            </p:nvCxnSpPr>
+            <p:spPr>
+              <a:xfrm>
+                <a:off x="6040117" y="3913563"/>
+                <a:ext cx="1397588" cy="557685"/>
+              </a:xfrm>
+              <a:prstGeom prst="straightConnector1">
+                <a:avLst/>
+              </a:prstGeom>
+              <a:ln>
+                <a:tailEnd type="triangle"/>
+              </a:ln>
+            </p:spPr>
+            <p:style>
+              <a:lnRef idx="3">
+                <a:schemeClr val="dk1"/>
+              </a:lnRef>
+              <a:fillRef idx="0">
+                <a:schemeClr val="dk1"/>
+              </a:fillRef>
+              <a:effectRef idx="2">
+                <a:schemeClr val="dk1"/>
+              </a:effectRef>
+              <a:fontRef idx="minor">
+                <a:schemeClr val="tx1"/>
+              </a:fontRef>
+            </p:style>
+          </p:cxnSp>
+          <p:sp>
+            <p:nvSpPr>
+              <p:cNvPr id="13" name="Rectangle 12">
+                <a:extLst>
+                  <a:ext uri="{FF2B5EF4-FFF2-40B4-BE49-F238E27FC236}">
+                    <a16:creationId xmlns:a16="http://schemas.microsoft.com/office/drawing/2014/main" id="{D3F82C0D-4AFD-B842-9293-7B1FB40CFC17}"/>
+                  </a:ext>
+                </a:extLst>
+              </p:cNvPr>
+              <p:cNvSpPr/>
+              <p:nvPr/>
+            </p:nvSpPr>
+            <p:spPr>
+              <a:xfrm>
+                <a:off x="7346474" y="5084577"/>
+                <a:ext cx="1046830" cy="276813"/>
+              </a:xfrm>
+              <a:prstGeom prst="rect">
+                <a:avLst/>
+              </a:prstGeom>
+            </p:spPr>
+            <p:style>
+              <a:lnRef idx="2">
+                <a:schemeClr val="accent6">
+                  <a:shade val="50000"/>
+                </a:schemeClr>
+              </a:lnRef>
+              <a:fillRef idx="1">
+                <a:schemeClr val="accent6"/>
+              </a:fillRef>
+              <a:effectRef idx="0">
+                <a:schemeClr val="accent6"/>
+              </a:effectRef>
+              <a:fontRef idx="minor">
+                <a:schemeClr val="lt1"/>
+              </a:fontRef>
+            </p:style>
+            <p:txBody>
+              <a:bodyPr rtlCol="0" anchor="ctr"/>
+              <a:lstStyle/>
+              <a:p>
+                <a:pPr algn="ctr"/>
+                <a:r>
+                  <a:rPr lang="en-US" sz="900"/>
+                  <a:t>yyyy.mm.dd.pickle</a:t>
+                </a:r>
+              </a:p>
+            </p:txBody>
+          </p:sp>
+          <p:cxnSp>
+            <p:nvCxnSpPr>
+              <p:cNvPr id="14" name="Straight Arrow Connector 13">
+                <a:extLst>
+                  <a:ext uri="{FF2B5EF4-FFF2-40B4-BE49-F238E27FC236}">
+                    <a16:creationId xmlns:a16="http://schemas.microsoft.com/office/drawing/2014/main" id="{71783577-7693-FB43-A9E6-B17B51388E8B}"/>
+                  </a:ext>
+                </a:extLst>
+              </p:cNvPr>
+              <p:cNvCxnSpPr>
+                <a:cxnSpLocks/>
+                <a:stCxn id="2" idx="2"/>
+                <a:endCxn id="13" idx="1"/>
+              </p:cNvCxnSpPr>
+              <p:nvPr/>
+            </p:nvCxnSpPr>
+            <p:spPr>
+              <a:xfrm>
+                <a:off x="5317372" y="4226508"/>
+                <a:ext cx="2029102" cy="996476"/>
+              </a:xfrm>
+              <a:prstGeom prst="straightConnector1">
+                <a:avLst/>
+              </a:prstGeom>
+              <a:ln>
+                <a:tailEnd type="triangle"/>
+              </a:ln>
+            </p:spPr>
+            <p:style>
+              <a:lnRef idx="3">
+                <a:schemeClr val="dk1"/>
+              </a:lnRef>
+              <a:fillRef idx="0">
+                <a:schemeClr val="dk1"/>
+              </a:fillRef>
+              <a:effectRef idx="2">
+                <a:schemeClr val="dk1"/>
+              </a:effectRef>
+              <a:fontRef idx="minor">
+                <a:schemeClr val="tx1"/>
+              </a:fontRef>
+            </p:style>
+          </p:cxnSp>
+          <p:sp>
+            <p:nvSpPr>
+              <p:cNvPr id="15" name="Rectangle 14">
+                <a:extLst>
+                  <a:ext uri="{FF2B5EF4-FFF2-40B4-BE49-F238E27FC236}">
+                    <a16:creationId xmlns:a16="http://schemas.microsoft.com/office/drawing/2014/main" id="{2D951471-A788-C04E-901A-8178B70683B9}"/>
+                  </a:ext>
+                </a:extLst>
+              </p:cNvPr>
+              <p:cNvSpPr/>
+              <p:nvPr/>
+            </p:nvSpPr>
+            <p:spPr>
+              <a:xfrm>
+                <a:off x="7162476" y="2372227"/>
+                <a:ext cx="1297150" cy="369332"/>
+              </a:xfrm>
+              <a:prstGeom prst="rect">
+                <a:avLst/>
+              </a:prstGeom>
+            </p:spPr>
+            <p:txBody>
+              <a:bodyPr wrap="none">
+                <a:spAutoFit/>
+              </a:bodyPr>
+              <a:lstStyle/>
+              <a:p>
+                <a:pPr algn="ctr"/>
+                <a:r>
+                  <a:rPr lang="en-US">
+                    <a:solidFill>
+                      <a:schemeClr val="bg1"/>
+                    </a:solidFill>
+                  </a:rPr>
+                  <a:t>DataReader</a:t>
+                </a:r>
+              </a:p>
+            </p:txBody>
+          </p:sp>
+          <p:sp>
+            <p:nvSpPr>
+              <p:cNvPr id="16" name="Rectangle 15">
+                <a:extLst>
+                  <a:ext uri="{FF2B5EF4-FFF2-40B4-BE49-F238E27FC236}">
+                    <a16:creationId xmlns:a16="http://schemas.microsoft.com/office/drawing/2014/main" id="{9EECA6AA-96AD-E846-BAB2-C9F345CA0730}"/>
+                  </a:ext>
+                </a:extLst>
+              </p:cNvPr>
+              <p:cNvSpPr/>
+              <p:nvPr/>
+            </p:nvSpPr>
+            <p:spPr>
+              <a:xfrm>
+                <a:off x="7184657" y="2989687"/>
+                <a:ext cx="1144540" cy="232405"/>
+              </a:xfrm>
+              <a:prstGeom prst="rect">
+                <a:avLst/>
+              </a:prstGeom>
+            </p:spPr>
+            <p:style>
+              <a:lnRef idx="2">
+                <a:schemeClr val="accent6">
+                  <a:shade val="50000"/>
+                </a:schemeClr>
+              </a:lnRef>
+              <a:fillRef idx="1">
+                <a:schemeClr val="accent6"/>
+              </a:fillRef>
+              <a:effectRef idx="0">
+                <a:schemeClr val="accent6"/>
+              </a:effectRef>
+              <a:fontRef idx="minor">
+                <a:schemeClr val="lt1"/>
+              </a:fontRef>
+            </p:style>
+            <p:txBody>
+              <a:bodyPr rtlCol="0" anchor="ctr"/>
+              <a:lstStyle/>
+              <a:p>
+                <a:pPr algn="ctr"/>
+                <a:r>
+                  <a:rPr lang="en-US" sz="1000"/>
+                  <a:t>TrainDataRead</a:t>
+                </a:r>
+              </a:p>
+            </p:txBody>
+          </p:sp>
+          <p:sp>
+            <p:nvSpPr>
+              <p:cNvPr id="17" name="Rectangle 16">
+                <a:extLst>
+                  <a:ext uri="{FF2B5EF4-FFF2-40B4-BE49-F238E27FC236}">
+                    <a16:creationId xmlns:a16="http://schemas.microsoft.com/office/drawing/2014/main" id="{97704150-EDB2-9D42-B3DD-EAEDC7C308DD}"/>
+                  </a:ext>
+                </a:extLst>
+              </p:cNvPr>
+              <p:cNvSpPr/>
+              <p:nvPr/>
+            </p:nvSpPr>
+            <p:spPr>
+              <a:xfrm>
+                <a:off x="7184986" y="2697148"/>
+                <a:ext cx="1144540" cy="232405"/>
+              </a:xfrm>
+              <a:prstGeom prst="rect">
+                <a:avLst/>
+              </a:prstGeom>
+            </p:spPr>
+            <p:style>
+              <a:lnRef idx="2">
+                <a:schemeClr val="accent6">
+                  <a:shade val="50000"/>
+                </a:schemeClr>
+              </a:lnRef>
+              <a:fillRef idx="1">
+                <a:schemeClr val="accent6"/>
+              </a:fillRef>
+              <a:effectRef idx="0">
+                <a:schemeClr val="accent6"/>
+              </a:effectRef>
+              <a:fontRef idx="minor">
+                <a:schemeClr val="lt1"/>
+              </a:fontRef>
+            </p:style>
+            <p:txBody>
+              <a:bodyPr rtlCol="0" anchor="ctr"/>
+              <a:lstStyle/>
+              <a:p>
+                <a:pPr algn="ctr"/>
+                <a:r>
+                  <a:rPr lang="en-US" sz="1000"/>
+                  <a:t>TestDataRead</a:t>
+                </a:r>
+              </a:p>
+            </p:txBody>
+          </p:sp>
+          <p:grpSp>
+            <p:nvGrpSpPr>
+              <p:cNvPr id="33" name="Group 32">
+                <a:extLst>
+                  <a:ext uri="{FF2B5EF4-FFF2-40B4-BE49-F238E27FC236}">
+                    <a16:creationId xmlns:a16="http://schemas.microsoft.com/office/drawing/2014/main" id="{F4D89303-5C23-464E-8AF9-1C4AEACE94F2}"/>
+                  </a:ext>
+                </a:extLst>
+              </p:cNvPr>
+              <p:cNvGrpSpPr/>
+              <p:nvPr/>
+            </p:nvGrpSpPr>
+            <p:grpSpPr>
+              <a:xfrm>
+                <a:off x="3585061" y="2210359"/>
+                <a:ext cx="4811432" cy="2666261"/>
+                <a:chOff x="3585061" y="2210359"/>
+                <a:chExt cx="4811432" cy="2666261"/>
+              </a:xfrm>
+            </p:grpSpPr>
+            <p:grpSp>
+              <p:nvGrpSpPr>
+                <p:cNvPr id="6" name="Group 5">
+                  <a:extLst>
+                    <a:ext uri="{FF2B5EF4-FFF2-40B4-BE49-F238E27FC236}">
+                      <a16:creationId xmlns:a16="http://schemas.microsoft.com/office/drawing/2014/main" id="{BDEC9A83-3F22-6F4E-8F25-80AB81F6CAA6}"/>
+                    </a:ext>
+                  </a:extLst>
+                </p:cNvPr>
+                <p:cNvGrpSpPr/>
+                <p:nvPr/>
+              </p:nvGrpSpPr>
+              <p:grpSpPr>
+                <a:xfrm>
+                  <a:off x="7349663" y="4151406"/>
+                  <a:ext cx="1046830" cy="725214"/>
+                  <a:chOff x="4471101" y="3178328"/>
+                  <a:chExt cx="1046830" cy="725214"/>
+                </a:xfrm>
+              </p:grpSpPr>
+              <p:sp>
+                <p:nvSpPr>
+                  <p:cNvPr id="8" name="Rectangle 7">
+                    <a:extLst>
+                      <a:ext uri="{FF2B5EF4-FFF2-40B4-BE49-F238E27FC236}">
+                        <a16:creationId xmlns:a16="http://schemas.microsoft.com/office/drawing/2014/main" id="{7265EE86-EAE6-F44A-88CF-BF0A332E9DE4}"/>
+                      </a:ext>
+                    </a:extLst>
+                  </p:cNvPr>
+                  <p:cNvSpPr/>
+                  <p:nvPr/>
+                </p:nvSpPr>
+                <p:spPr>
+                  <a:xfrm>
+                    <a:off x="4471101" y="3178328"/>
+                    <a:ext cx="1046830" cy="725214"/>
+                  </a:xfrm>
+                  <a:prstGeom prst="rect">
+                    <a:avLst/>
+                  </a:prstGeom>
+                </p:spPr>
+                <p:style>
+                  <a:lnRef idx="2">
+                    <a:schemeClr val="accent6">
+                      <a:shade val="50000"/>
+                    </a:schemeClr>
+                  </a:lnRef>
+                  <a:fillRef idx="1">
+                    <a:schemeClr val="accent6"/>
+                  </a:fillRef>
+                  <a:effectRef idx="0">
+                    <a:schemeClr val="accent6"/>
+                  </a:effectRef>
+                  <a:fontRef idx="minor">
+                    <a:schemeClr val="lt1"/>
+                  </a:fontRef>
+                </p:style>
+                <p:txBody>
+                  <a:bodyPr rtlCol="0" anchor="ctr"/>
+                  <a:lstStyle/>
+                  <a:p>
+                    <a:pPr algn="ctr"/>
+                    <a:endParaRPr lang="en-US" sz="1100"/>
+                  </a:p>
+                </p:txBody>
+              </p:sp>
+              <p:sp>
+                <p:nvSpPr>
+                  <p:cNvPr id="9" name="Rectangle 8">
+                    <a:extLst>
+                      <a:ext uri="{FF2B5EF4-FFF2-40B4-BE49-F238E27FC236}">
+                        <a16:creationId xmlns:a16="http://schemas.microsoft.com/office/drawing/2014/main" id="{CA088A1F-D9E1-394C-B105-29FBC4C1586C}"/>
+                      </a:ext>
+                    </a:extLst>
+                  </p:cNvPr>
+                  <p:cNvSpPr/>
+                  <p:nvPr/>
+                </p:nvSpPr>
+                <p:spPr>
+                  <a:xfrm>
+                    <a:off x="4559143" y="3396284"/>
+                    <a:ext cx="876808" cy="203771"/>
+                  </a:xfrm>
+                  <a:prstGeom prst="rect">
+                    <a:avLst/>
+                  </a:prstGeom>
+                </p:spPr>
+                <p:style>
+                  <a:lnRef idx="2">
+                    <a:schemeClr val="accent6">
+                      <a:shade val="50000"/>
+                    </a:schemeClr>
+                  </a:lnRef>
+                  <a:fillRef idx="1">
+                    <a:schemeClr val="accent6"/>
+                  </a:fillRef>
+                  <a:effectRef idx="0">
+                    <a:schemeClr val="accent6"/>
+                  </a:effectRef>
+                  <a:fontRef idx="minor">
+                    <a:schemeClr val="lt1"/>
+                  </a:fontRef>
+                </p:style>
+                <p:txBody>
+                  <a:bodyPr rtlCol="0" anchor="ctr"/>
+                  <a:lstStyle/>
+                  <a:p>
+                    <a:pPr algn="ctr"/>
+                    <a:r>
+                      <a:rPr lang="en-US" sz="1100"/>
+                      <a:t>tbTrain</a:t>
+                    </a:r>
+                  </a:p>
+                </p:txBody>
+              </p:sp>
+              <p:sp>
+                <p:nvSpPr>
+                  <p:cNvPr id="10" name="Rectangle 9">
+                    <a:extLst>
+                      <a:ext uri="{FF2B5EF4-FFF2-40B4-BE49-F238E27FC236}">
+                        <a16:creationId xmlns:a16="http://schemas.microsoft.com/office/drawing/2014/main" id="{5618DD38-34E0-F549-9CED-9F41D42E9577}"/>
+                      </a:ext>
+                    </a:extLst>
+                  </p:cNvPr>
+                  <p:cNvSpPr/>
+                  <p:nvPr/>
+                </p:nvSpPr>
+                <p:spPr>
+                  <a:xfrm>
+                    <a:off x="4559143" y="3636315"/>
+                    <a:ext cx="876808" cy="203771"/>
+                  </a:xfrm>
+                  <a:prstGeom prst="rect">
+                    <a:avLst/>
+                  </a:prstGeom>
+                </p:spPr>
+                <p:style>
+                  <a:lnRef idx="2">
+                    <a:schemeClr val="accent4">
+                      <a:shade val="50000"/>
+                    </a:schemeClr>
+                  </a:lnRef>
+                  <a:fillRef idx="1">
+                    <a:schemeClr val="accent4"/>
+                  </a:fillRef>
+                  <a:effectRef idx="0">
+                    <a:schemeClr val="accent4"/>
+                  </a:effectRef>
+                  <a:fontRef idx="minor">
+                    <a:schemeClr val="lt1"/>
+                  </a:fontRef>
+                </p:style>
+                <p:txBody>
+                  <a:bodyPr rtlCol="0" anchor="ctr"/>
+                  <a:lstStyle/>
+                  <a:p>
+                    <a:pPr algn="ctr"/>
+                    <a:r>
+                      <a:rPr lang="en-US" sz="1100"/>
+                      <a:t>tbInfer</a:t>
+                    </a:r>
+                  </a:p>
+                </p:txBody>
+              </p:sp>
+            </p:grpSp>
+            <p:sp>
+              <p:nvSpPr>
+                <p:cNvPr id="7" name="Rectangle 6">
+                  <a:extLst>
+                    <a:ext uri="{FF2B5EF4-FFF2-40B4-BE49-F238E27FC236}">
+                      <a16:creationId xmlns:a16="http://schemas.microsoft.com/office/drawing/2014/main" id="{34652B90-CB00-0044-9DC3-A69BDD4DD29B}"/>
+                    </a:ext>
+                  </a:extLst>
+                </p:cNvPr>
+                <p:cNvSpPr/>
+                <p:nvPr/>
+              </p:nvSpPr>
+              <p:spPr>
+                <a:xfrm>
+                  <a:off x="7437705" y="4165592"/>
+                  <a:ext cx="876808" cy="156082"/>
+                </a:xfrm>
+                <a:prstGeom prst="rect">
+                  <a:avLst/>
+                </a:prstGeom>
+                <a:solidFill>
+                  <a:schemeClr val="accent6"/>
+                </a:solidFill>
+                <a:ln>
+                  <a:noFill/>
+                </a:ln>
+              </p:spPr>
+              <p:style>
+                <a:lnRef idx="2">
+                  <a:schemeClr val="accent6">
+                    <a:shade val="50000"/>
+                  </a:schemeClr>
+                </a:lnRef>
+                <a:fillRef idx="1">
+                  <a:schemeClr val="accent6"/>
+                </a:fillRef>
+                <a:effectRef idx="0">
+                  <a:schemeClr val="accent6"/>
+                </a:effectRef>
+                <a:fontRef idx="minor">
+                  <a:schemeClr val="lt1"/>
+                </a:fontRef>
+              </p:style>
+              <p:txBody>
+                <a:bodyPr rtlCol="0" anchor="ctr"/>
+                <a:lstStyle/>
+                <a:p>
+                  <a:pPr algn="ctr"/>
+                  <a:r>
+                    <a:rPr lang="en-US" sz="1100">
+                      <a:solidFill>
+                        <a:schemeClr val="bg1"/>
+                      </a:solidFill>
+                    </a:rPr>
+                    <a:t>dbSe</a:t>
+                  </a:r>
+                </a:p>
+              </p:txBody>
+            </p:sp>
+            <p:pic>
+              <p:nvPicPr>
+                <p:cNvPr id="19" name="Graphic 18" descr="Cloud outline">
+                  <a:extLst>
+                    <a:ext uri="{FF2B5EF4-FFF2-40B4-BE49-F238E27FC236}">
+                      <a16:creationId xmlns:a16="http://schemas.microsoft.com/office/drawing/2014/main" id="{77ACB086-31EE-7841-827A-AD78646B594D}"/>
+                    </a:ext>
+                  </a:extLst>
+                </p:cNvPr>
+                <p:cNvPicPr>
+                  <a:picLocks noChangeAspect="1"/>
+                </p:cNvPicPr>
+                <p:nvPr/>
+              </p:nvPicPr>
+              <p:blipFill>
+                <a:blip r:embed="rId2">
+                  <a:extLst>
+                    <a:ext uri="{96DAC541-7B7A-43D3-8B79-37D633B846F1}">
+                      <asvg:svgBlip xmlns:asvg="http://schemas.microsoft.com/office/drawing/2016/SVG/main" r:embed="rId3"/>
+                    </a:ext>
+                  </a:extLst>
+                </a:blip>
+                <a:stretch>
+                  <a:fillRect/>
+                </a:stretch>
+              </p:blipFill>
+              <p:spPr>
+                <a:xfrm>
+                  <a:off x="3585061" y="2210359"/>
+                  <a:ext cx="1291621" cy="1291621"/>
+                </a:xfrm>
+                <a:prstGeom prst="rect">
+                  <a:avLst/>
+                </a:prstGeom>
+              </p:spPr>
+            </p:pic>
+            <p:sp>
+              <p:nvSpPr>
+                <p:cNvPr id="20" name="Rectangle 19">
+                  <a:extLst>
+                    <a:ext uri="{FF2B5EF4-FFF2-40B4-BE49-F238E27FC236}">
+                      <a16:creationId xmlns:a16="http://schemas.microsoft.com/office/drawing/2014/main" id="{6BC4A068-8F5B-2C41-A077-718620D2903C}"/>
+                    </a:ext>
+                  </a:extLst>
+                </p:cNvPr>
+                <p:cNvSpPr/>
+                <p:nvPr/>
+              </p:nvSpPr>
+              <p:spPr>
+                <a:xfrm>
+                  <a:off x="3821681" y="2745544"/>
+                  <a:ext cx="769763" cy="307777"/>
+                </a:xfrm>
+                <a:prstGeom prst="rect">
+                  <a:avLst/>
+                </a:prstGeom>
+              </p:spPr>
+              <p:txBody>
+                <a:bodyPr wrap="none">
+                  <a:spAutoFit/>
+                </a:bodyPr>
+                <a:lstStyle/>
+                <a:p>
+                  <a:pPr algn="ctr"/>
+                  <a:r>
+                    <a:rPr lang="en-US" sz="1400"/>
+                    <a:t>yfinance</a:t>
+                  </a:r>
+                </a:p>
+              </p:txBody>
+            </p:sp>
+          </p:grpSp>
+          <p:cxnSp>
+            <p:nvCxnSpPr>
+              <p:cNvPr id="21" name="Straight Arrow Connector 20">
+                <a:extLst>
+                  <a:ext uri="{FF2B5EF4-FFF2-40B4-BE49-F238E27FC236}">
+                    <a16:creationId xmlns:a16="http://schemas.microsoft.com/office/drawing/2014/main" id="{2F579FDF-3E94-574D-A060-DF60BABD42E2}"/>
+                  </a:ext>
+                </a:extLst>
+              </p:cNvPr>
+              <p:cNvCxnSpPr>
+                <a:cxnSpLocks/>
+                <a:stCxn id="17" idx="1"/>
+              </p:cNvCxnSpPr>
+              <p:nvPr/>
+            </p:nvCxnSpPr>
+            <p:spPr>
+              <a:xfrm flipH="1">
+                <a:off x="4594626" y="2813351"/>
+                <a:ext cx="2590360" cy="26815"/>
+              </a:xfrm>
+              <a:prstGeom prst="straightConnector1">
+                <a:avLst/>
+              </a:prstGeom>
+              <a:ln>
+                <a:tailEnd type="triangle"/>
+              </a:ln>
+            </p:spPr>
+            <p:style>
+              <a:lnRef idx="3">
+                <a:schemeClr val="dk1"/>
+              </a:lnRef>
+              <a:fillRef idx="0">
+                <a:schemeClr val="dk1"/>
+              </a:fillRef>
+              <a:effectRef idx="2">
+                <a:schemeClr val="dk1"/>
+              </a:effectRef>
+              <a:fontRef idx="minor">
+                <a:schemeClr val="tx1"/>
+              </a:fontRef>
+            </p:style>
+          </p:cxnSp>
+          <p:sp>
+            <p:nvSpPr>
+              <p:cNvPr id="22" name="Rectangle 21">
+                <a:extLst>
+                  <a:ext uri="{FF2B5EF4-FFF2-40B4-BE49-F238E27FC236}">
+                    <a16:creationId xmlns:a16="http://schemas.microsoft.com/office/drawing/2014/main" id="{A3839697-7342-B84D-AA99-200E19EFB1FD}"/>
+                  </a:ext>
+                </a:extLst>
+              </p:cNvPr>
+              <p:cNvSpPr/>
+              <p:nvPr/>
+            </p:nvSpPr>
+            <p:spPr>
+              <a:xfrm>
+                <a:off x="9503912" y="2772409"/>
+                <a:ext cx="1445491" cy="625891"/>
+              </a:xfrm>
+              <a:prstGeom prst="rect">
+                <a:avLst/>
+              </a:prstGeom>
+            </p:spPr>
+            <p:style>
+              <a:lnRef idx="2">
+                <a:schemeClr val="accent1">
+                  <a:shade val="50000"/>
+                </a:schemeClr>
+              </a:lnRef>
+              <a:fillRef idx="1">
+                <a:schemeClr val="accent1"/>
+              </a:fillRef>
+              <a:effectRef idx="0">
+                <a:schemeClr val="accent1"/>
+              </a:effectRef>
+              <a:fontRef idx="minor">
+                <a:schemeClr val="lt1"/>
+              </a:fontRef>
+            </p:style>
+            <p:txBody>
+              <a:bodyPr rtlCol="0" anchor="ctr"/>
+              <a:lstStyle/>
+              <a:p>
+                <a:pPr algn="ctr"/>
+                <a:r>
+                  <a:rPr lang="en-US" sz="1600"/>
+                  <a:t>ModelInferrer</a:t>
+                </a:r>
+              </a:p>
+            </p:txBody>
+          </p:sp>
+          <p:cxnSp>
+            <p:nvCxnSpPr>
+              <p:cNvPr id="23" name="Straight Arrow Connector 22">
+                <a:extLst>
+                  <a:ext uri="{FF2B5EF4-FFF2-40B4-BE49-F238E27FC236}">
+                    <a16:creationId xmlns:a16="http://schemas.microsoft.com/office/drawing/2014/main" id="{92EDDBB5-8642-B746-88BA-3F729911B998}"/>
+                  </a:ext>
+                </a:extLst>
+              </p:cNvPr>
+              <p:cNvCxnSpPr>
+                <a:cxnSpLocks/>
+                <a:stCxn id="13" idx="3"/>
+                <a:endCxn id="22" idx="1"/>
+              </p:cNvCxnSpPr>
+              <p:nvPr/>
+            </p:nvCxnSpPr>
+            <p:spPr>
+              <a:xfrm flipV="1">
+                <a:off x="8393304" y="3085355"/>
+                <a:ext cx="1110608" cy="2137629"/>
+              </a:xfrm>
+              <a:prstGeom prst="straightConnector1">
+                <a:avLst/>
+              </a:prstGeom>
+              <a:ln>
+                <a:tailEnd type="triangle"/>
+              </a:ln>
+            </p:spPr>
+            <p:style>
+              <a:lnRef idx="3">
+                <a:schemeClr val="dk1"/>
+              </a:lnRef>
+              <a:fillRef idx="0">
+                <a:schemeClr val="dk1"/>
+              </a:fillRef>
+              <a:effectRef idx="2">
+                <a:schemeClr val="dk1"/>
+              </a:effectRef>
+              <a:fontRef idx="minor">
+                <a:schemeClr val="tx1"/>
+              </a:fontRef>
+            </p:style>
+          </p:cxnSp>
+          <p:cxnSp>
+            <p:nvCxnSpPr>
+              <p:cNvPr id="24" name="Straight Arrow Connector 23">
+                <a:extLst>
+                  <a:ext uri="{FF2B5EF4-FFF2-40B4-BE49-F238E27FC236}">
+                    <a16:creationId xmlns:a16="http://schemas.microsoft.com/office/drawing/2014/main" id="{A5F64025-0FD6-3241-942F-B3902E26FBF8}"/>
+                  </a:ext>
+                </a:extLst>
+              </p:cNvPr>
+              <p:cNvCxnSpPr>
+                <a:cxnSpLocks/>
+                <a:stCxn id="17" idx="3"/>
+                <a:endCxn id="22" idx="1"/>
+              </p:cNvCxnSpPr>
+              <p:nvPr/>
+            </p:nvCxnSpPr>
+            <p:spPr>
+              <a:xfrm>
+                <a:off x="8329526" y="2813351"/>
+                <a:ext cx="1174386" cy="272004"/>
+              </a:xfrm>
+              <a:prstGeom prst="straightConnector1">
+                <a:avLst/>
+              </a:prstGeom>
+              <a:ln>
+                <a:tailEnd type="triangle"/>
+              </a:ln>
+            </p:spPr>
+            <p:style>
+              <a:lnRef idx="3">
+                <a:schemeClr val="dk1"/>
+              </a:lnRef>
+              <a:fillRef idx="0">
+                <a:schemeClr val="dk1"/>
+              </a:fillRef>
+              <a:effectRef idx="2">
+                <a:schemeClr val="dk1"/>
+              </a:effectRef>
+              <a:fontRef idx="minor">
+                <a:schemeClr val="tx1"/>
+              </a:fontRef>
+            </p:style>
+          </p:cxnSp>
+          <p:cxnSp>
+            <p:nvCxnSpPr>
+              <p:cNvPr id="25" name="Straight Arrow Connector 24">
+                <a:extLst>
+                  <a:ext uri="{FF2B5EF4-FFF2-40B4-BE49-F238E27FC236}">
+                    <a16:creationId xmlns:a16="http://schemas.microsoft.com/office/drawing/2014/main" id="{8CEA5670-8DAC-B34F-8F5E-1F23E33A14DF}"/>
+                  </a:ext>
+                </a:extLst>
+              </p:cNvPr>
+              <p:cNvCxnSpPr>
+                <a:cxnSpLocks/>
+                <a:stCxn id="37" idx="2"/>
+                <a:endCxn id="10" idx="3"/>
+              </p:cNvCxnSpPr>
+              <p:nvPr/>
+            </p:nvCxnSpPr>
+            <p:spPr>
+              <a:xfrm flipH="1">
+                <a:off x="8314513" y="4347694"/>
+                <a:ext cx="1260565" cy="363585"/>
+              </a:xfrm>
+              <a:prstGeom prst="straightConnector1">
+                <a:avLst/>
+              </a:prstGeom>
+              <a:ln>
+                <a:solidFill>
+                  <a:srgbClr val="7030A0"/>
+                </a:solidFill>
+                <a:tailEnd type="triangle"/>
+              </a:ln>
+            </p:spPr>
+            <p:style>
+              <a:lnRef idx="3">
+                <a:schemeClr val="dk1"/>
+              </a:lnRef>
+              <a:fillRef idx="0">
+                <a:schemeClr val="dk1"/>
+              </a:fillRef>
+              <a:effectRef idx="2">
+                <a:schemeClr val="dk1"/>
+              </a:effectRef>
+              <a:fontRef idx="minor">
+                <a:schemeClr val="tx1"/>
+              </a:fontRef>
+            </p:style>
+          </p:cxnSp>
+          <p:pic>
+            <p:nvPicPr>
+              <p:cNvPr id="26" name="Picture 2" descr="Image for post">
+                <a:extLst>
+                  <a:ext uri="{FF2B5EF4-FFF2-40B4-BE49-F238E27FC236}">
+                    <a16:creationId xmlns:a16="http://schemas.microsoft.com/office/drawing/2014/main" id="{C7FE380E-A3D4-204B-849F-9569BA039685}"/>
+                  </a:ext>
+                </a:extLst>
+              </p:cNvPr>
+              <p:cNvPicPr>
+                <a:picLocks noChangeAspect="1" noChangeArrowheads="1"/>
+              </p:cNvPicPr>
+              <p:nvPr/>
+            </p:nvPicPr>
+            <p:blipFill>
+              <a:blip r:embed="rId4">
+                <a:extLst>
+                  <a:ext uri="{28A0092B-C50C-407E-A947-70E740481C1C}">
+                    <a14:useLocalDpi xmlns:a14="http://schemas.microsoft.com/office/drawing/2010/main" val="0"/>
+                  </a:ext>
+                </a:extLst>
+              </a:blip>
+              <a:srcRect/>
+              <a:stretch>
+                <a:fillRect/>
+              </a:stretch>
+            </p:blipFill>
+            <p:spPr bwMode="auto">
+              <a:xfrm>
+                <a:off x="1386579" y="4059023"/>
+                <a:ext cx="2949450" cy="1389467"/>
+              </a:xfrm>
+              <a:prstGeom prst="rect">
+                <a:avLst/>
+              </a:prstGeom>
+              <a:noFill/>
+              <a:ln>
+                <a:solidFill>
+                  <a:schemeClr val="accent1"/>
+                </a:solidFill>
+              </a:ln>
+              <a:extLst>
+                <a:ext uri="{909E8E84-426E-40DD-AFC4-6F175D3DCCD1}">
+                  <a14:hiddenFill xmlns:a14="http://schemas.microsoft.com/office/drawing/2010/main">
+                    <a:solidFill>
+                      <a:srgbClr val="FFFFFF"/>
+                    </a:solidFill>
+                  </a14:hiddenFill>
+                </a:ext>
+              </a:extLst>
+            </p:spPr>
+          </p:pic>
+          <p:cxnSp>
+            <p:nvCxnSpPr>
+              <p:cNvPr id="27" name="Straight Arrow Connector 26">
+                <a:extLst>
+                  <a:ext uri="{FF2B5EF4-FFF2-40B4-BE49-F238E27FC236}">
+                    <a16:creationId xmlns:a16="http://schemas.microsoft.com/office/drawing/2014/main" id="{9323B8A1-63FD-1543-8B72-54615DC51408}"/>
+                  </a:ext>
+                </a:extLst>
+              </p:cNvPr>
+              <p:cNvCxnSpPr>
+                <a:cxnSpLocks/>
+                <a:stCxn id="10" idx="1"/>
+                <a:endCxn id="26" idx="3"/>
+              </p:cNvCxnSpPr>
+              <p:nvPr/>
+            </p:nvCxnSpPr>
+            <p:spPr>
+              <a:xfrm flipH="1">
+                <a:off x="4336029" y="4711279"/>
+                <a:ext cx="3101676" cy="42478"/>
+              </a:xfrm>
+              <a:prstGeom prst="straightConnector1">
+                <a:avLst/>
+              </a:prstGeom>
+              <a:ln>
+                <a:tailEnd type="triangle"/>
+              </a:ln>
+            </p:spPr>
+            <p:style>
+              <a:lnRef idx="3">
+                <a:schemeClr val="dk1"/>
+              </a:lnRef>
+              <a:fillRef idx="0">
+                <a:schemeClr val="dk1"/>
+              </a:fillRef>
+              <a:effectRef idx="2">
+                <a:schemeClr val="dk1"/>
+              </a:effectRef>
+              <a:fontRef idx="minor">
+                <a:schemeClr val="tx1"/>
+              </a:fontRef>
+            </p:style>
+          </p:cxnSp>
+          <p:cxnSp>
+            <p:nvCxnSpPr>
+              <p:cNvPr id="28" name="Straight Arrow Connector 27">
+                <a:extLst>
+                  <a:ext uri="{FF2B5EF4-FFF2-40B4-BE49-F238E27FC236}">
+                    <a16:creationId xmlns:a16="http://schemas.microsoft.com/office/drawing/2014/main" id="{D3F529A1-B607-1B4C-8E9E-072A9E1E9CFD}"/>
+                  </a:ext>
+                </a:extLst>
+              </p:cNvPr>
+              <p:cNvCxnSpPr>
+                <a:cxnSpLocks/>
+                <a:stCxn id="16" idx="1"/>
+              </p:cNvCxnSpPr>
+              <p:nvPr/>
+            </p:nvCxnSpPr>
+            <p:spPr>
+              <a:xfrm flipH="1">
+                <a:off x="4586175" y="3105890"/>
+                <a:ext cx="2598482" cy="0"/>
+              </a:xfrm>
+              <a:prstGeom prst="straightConnector1">
+                <a:avLst/>
+              </a:prstGeom>
+              <a:ln>
+                <a:tailEnd type="triangle"/>
+              </a:ln>
+            </p:spPr>
+            <p:style>
+              <a:lnRef idx="3">
+                <a:schemeClr val="dk1"/>
+              </a:lnRef>
+              <a:fillRef idx="0">
+                <a:schemeClr val="dk1"/>
+              </a:fillRef>
+              <a:effectRef idx="2">
+                <a:schemeClr val="dk1"/>
+              </a:effectRef>
+              <a:fontRef idx="minor">
+                <a:schemeClr val="tx1"/>
+              </a:fontRef>
+            </p:style>
+          </p:cxnSp>
+          <p:cxnSp>
+            <p:nvCxnSpPr>
+              <p:cNvPr id="47" name="Straight Arrow Connector 46">
+                <a:extLst>
+                  <a:ext uri="{FF2B5EF4-FFF2-40B4-BE49-F238E27FC236}">
+                    <a16:creationId xmlns:a16="http://schemas.microsoft.com/office/drawing/2014/main" id="{B9F44F73-4CB3-B94A-A8B7-A6B79AED2551}"/>
+                  </a:ext>
+                </a:extLst>
+              </p:cNvPr>
+              <p:cNvCxnSpPr>
+                <a:cxnSpLocks/>
+                <a:stCxn id="16" idx="2"/>
+                <a:endCxn id="9" idx="0"/>
+              </p:cNvCxnSpPr>
+              <p:nvPr/>
+            </p:nvCxnSpPr>
+            <p:spPr>
+              <a:xfrm>
+                <a:off x="7756927" y="3222092"/>
+                <a:ext cx="119182" cy="1147270"/>
+              </a:xfrm>
+              <a:prstGeom prst="straightConnector1">
+                <a:avLst/>
+              </a:prstGeom>
+              <a:ln>
+                <a:tailEnd type="triangle"/>
+              </a:ln>
+            </p:spPr>
+            <p:style>
+              <a:lnRef idx="3">
+                <a:schemeClr val="dk1"/>
+              </a:lnRef>
+              <a:fillRef idx="0">
+                <a:schemeClr val="dk1"/>
+              </a:fillRef>
+              <a:effectRef idx="2">
+                <a:schemeClr val="dk1"/>
+              </a:effectRef>
+              <a:fontRef idx="minor">
+                <a:schemeClr val="tx1"/>
+              </a:fontRef>
+            </p:style>
+          </p:cxnSp>
+        </p:grpSp>
         <p:sp>
           <p:nvSpPr>
-            <p:cNvPr id="2" name="Rectangle 1">
+            <p:cNvPr id="30" name="Rectangle 29">
               <a:extLst>
                 <a:ext uri="{FF2B5EF4-FFF2-40B4-BE49-F238E27FC236}">
-                  <a16:creationId xmlns:a16="http://schemas.microsoft.com/office/drawing/2014/main" id="{6BAD29B1-EACA-CF47-AFD9-E71E68A21F57}"/>
+                  <a16:creationId xmlns:a16="http://schemas.microsoft.com/office/drawing/2014/main" id="{179C813F-14DC-524F-A8DB-A94061FFC4A8}"/>
                 </a:ext>
               </a:extLst>
             </p:cNvPr>
@@ -3726,8 +4918,8 @@
           </p:nvSpPr>
           <p:spPr>
             <a:xfrm>
-              <a:off x="4594626" y="3600617"/>
-              <a:ext cx="1445491" cy="625891"/>
+              <a:off x="7047599" y="5235748"/>
+              <a:ext cx="1633306" cy="498219"/>
             </a:xfrm>
             <a:prstGeom prst="rect">
               <a:avLst/>
@@ -3756,17 +4948,113 @@
               <a:pPr algn="ctr"/>
               <a:r>
                 <a:rPr lang="en-US" sz="1600"/>
-                <a:t>ModelTrainer</a:t>
+                <a:t>Utils </a:t>
+              </a:r>
+            </a:p>
+            <a:p>
+              <a:pPr algn="ctr"/>
+              <a:r>
+                <a:rPr lang="en-US" sz="1100"/>
+                <a:t>(pre-process &amp; plotting)</a:t>
               </a:r>
             </a:p>
           </p:txBody>
         </p:sp>
+        <p:cxnSp>
+          <p:nvCxnSpPr>
+            <p:cNvPr id="31" name="Straight Arrow Connector 30">
+              <a:extLst>
+                <a:ext uri="{FF2B5EF4-FFF2-40B4-BE49-F238E27FC236}">
+                  <a16:creationId xmlns:a16="http://schemas.microsoft.com/office/drawing/2014/main" id="{9560BB25-5733-794A-BD91-44E6F6929EB9}"/>
+                </a:ext>
+              </a:extLst>
+            </p:cNvPr>
+            <p:cNvCxnSpPr>
+              <a:cxnSpLocks/>
+              <a:stCxn id="2" idx="2"/>
+              <a:endCxn id="30" idx="1"/>
+            </p:cNvCxnSpPr>
+            <p:nvPr/>
+          </p:nvCxnSpPr>
+          <p:spPr>
+            <a:xfrm>
+              <a:off x="5370573" y="3740286"/>
+              <a:ext cx="1677026" cy="1744572"/>
+            </a:xfrm>
+            <a:prstGeom prst="straightConnector1">
+              <a:avLst/>
+            </a:prstGeom>
+            <a:ln>
+              <a:tailEnd type="triangle"/>
+            </a:ln>
+          </p:spPr>
+          <p:style>
+            <a:lnRef idx="3">
+              <a:schemeClr val="dk1"/>
+            </a:lnRef>
+            <a:fillRef idx="0">
+              <a:schemeClr val="dk1"/>
+            </a:fillRef>
+            <a:effectRef idx="2">
+              <a:schemeClr val="dk1"/>
+            </a:effectRef>
+            <a:fontRef idx="minor">
+              <a:schemeClr val="tx1"/>
+            </a:fontRef>
+          </p:style>
+        </p:cxnSp>
+        <p:cxnSp>
+          <p:nvCxnSpPr>
+            <p:cNvPr id="35" name="Straight Arrow Connector 34">
+              <a:extLst>
+                <a:ext uri="{FF2B5EF4-FFF2-40B4-BE49-F238E27FC236}">
+                  <a16:creationId xmlns:a16="http://schemas.microsoft.com/office/drawing/2014/main" id="{92C98C36-5136-AB4C-B6A5-43E3266C2666}"/>
+                </a:ext>
+              </a:extLst>
+            </p:cNvPr>
+            <p:cNvCxnSpPr>
+              <a:cxnSpLocks/>
+              <a:stCxn id="37" idx="2"/>
+              <a:endCxn id="30" idx="3"/>
+            </p:cNvCxnSpPr>
+            <p:nvPr/>
+          </p:nvCxnSpPr>
+          <p:spPr>
+            <a:xfrm flipH="1">
+              <a:off x="8680905" y="3861472"/>
+              <a:ext cx="947374" cy="1623386"/>
+            </a:xfrm>
+            <a:prstGeom prst="straightConnector1">
+              <a:avLst/>
+            </a:prstGeom>
+            <a:ln>
+              <a:solidFill>
+                <a:srgbClr val="7030A0"/>
+              </a:solidFill>
+              <a:tailEnd type="triangle"/>
+            </a:ln>
+          </p:spPr>
+          <p:style>
+            <a:lnRef idx="3">
+              <a:schemeClr val="dk1"/>
+            </a:lnRef>
+            <a:fillRef idx="0">
+              <a:schemeClr val="dk1"/>
+            </a:fillRef>
+            <a:effectRef idx="2">
+              <a:schemeClr val="dk1"/>
+            </a:effectRef>
+            <a:fontRef idx="minor">
+              <a:schemeClr val="tx1"/>
+            </a:fontRef>
+          </p:style>
+        </p:cxnSp>
         <p:sp>
           <p:nvSpPr>
-            <p:cNvPr id="4" name="Magnetic Disk 3">
+            <p:cNvPr id="37" name="Rectangle 36">
               <a:extLst>
                 <a:ext uri="{FF2B5EF4-FFF2-40B4-BE49-F238E27FC236}">
-                  <a16:creationId xmlns:a16="http://schemas.microsoft.com/office/drawing/2014/main" id="{99556034-464C-B047-AD96-E69AD147B885}"/>
+                  <a16:creationId xmlns:a16="http://schemas.microsoft.com/office/drawing/2014/main" id="{B039D8F2-192A-6E4B-BEFF-3F35DCF40591}"/>
                 </a:ext>
               </a:extLst>
             </p:cNvPr>
@@ -3775,18 +5063,17 @@
           </p:nvSpPr>
           <p:spPr>
             <a:xfrm>
-              <a:off x="6994398" y="3980470"/>
-              <a:ext cx="1633307" cy="1639614"/>
+              <a:off x="9253176" y="3550566"/>
+              <a:ext cx="750205" cy="310906"/>
             </a:xfrm>
-            <a:prstGeom prst="flowChartMagneticDisk">
+            <a:prstGeom prst="rect">
               <a:avLst/>
             </a:prstGeom>
-            <a:solidFill>
-              <a:schemeClr val="accent1">
-                <a:lumMod val="20000"/>
-                <a:lumOff val="80000"/>
-              </a:schemeClr>
-            </a:solidFill>
+            <a:ln>
+              <a:solidFill>
+                <a:srgbClr val="7030A0"/>
+              </a:solidFill>
+            </a:ln>
           </p:spPr>
           <p:style>
             <a:lnRef idx="2">
@@ -3809,16 +5096,19 @@
             <a:lstStyle/>
             <a:p>
               <a:pPr algn="ctr"/>
-              <a:endParaRPr lang="en-US"/>
+              <a:r>
+                <a:rPr lang="en-US" sz="1100"/>
+                <a:t>RNN</a:t>
+              </a:r>
             </a:p>
           </p:txBody>
         </p:sp>
         <p:sp>
           <p:nvSpPr>
-            <p:cNvPr id="11" name="Rectangle 10">
+            <p:cNvPr id="54" name="Rectangle 53">
               <a:extLst>
                 <a:ext uri="{FF2B5EF4-FFF2-40B4-BE49-F238E27FC236}">
-                  <a16:creationId xmlns:a16="http://schemas.microsoft.com/office/drawing/2014/main" id="{0F6B227B-B701-3A41-923E-89E6E50E9A55}"/>
+                  <a16:creationId xmlns:a16="http://schemas.microsoft.com/office/drawing/2014/main" id="{5B32E30D-B478-094D-98B9-97A415143B38}"/>
                 </a:ext>
               </a:extLst>
             </p:cNvPr>
@@ -3827,12 +5117,19 @@
           </p:nvSpPr>
           <p:spPr>
             <a:xfrm>
-              <a:off x="6931408" y="2408487"/>
-              <a:ext cx="1696297" cy="909145"/>
+              <a:off x="10142168" y="3550937"/>
+              <a:ext cx="750205" cy="310906"/>
             </a:xfrm>
             <a:prstGeom prst="rect">
               <a:avLst/>
             </a:prstGeom>
+            <a:ln>
+              <a:solidFill>
+                <a:schemeClr val="bg2">
+                  <a:lumMod val="50000"/>
+                </a:schemeClr>
+              </a:solidFill>
+            </a:ln>
           </p:spPr>
           <p:style>
             <a:lnRef idx="2">
@@ -3855,30 +5152,76 @@
             <a:lstStyle/>
             <a:p>
               <a:pPr algn="ctr"/>
-              <a:endParaRPr lang="en-US" sz="1600"/>
+              <a:r>
+                <a:rPr lang="en-US" sz="1100"/>
+                <a:t>Capsule Network</a:t>
+              </a:r>
             </a:p>
           </p:txBody>
         </p:sp>
         <p:cxnSp>
           <p:nvCxnSpPr>
-            <p:cNvPr id="12" name="Straight Arrow Connector 11">
+            <p:cNvPr id="55" name="Straight Arrow Connector 54">
               <a:extLst>
                 <a:ext uri="{FF2B5EF4-FFF2-40B4-BE49-F238E27FC236}">
-                  <a16:creationId xmlns:a16="http://schemas.microsoft.com/office/drawing/2014/main" id="{E850A1B3-B16B-2E49-BBD0-7E7ADA782C22}"/>
+                  <a16:creationId xmlns:a16="http://schemas.microsoft.com/office/drawing/2014/main" id="{7BBBD2C6-A1E6-A242-8108-D67FCE34B1E3}"/>
                 </a:ext>
               </a:extLst>
             </p:cNvPr>
             <p:cNvCxnSpPr>
               <a:cxnSpLocks/>
-              <a:stCxn id="2" idx="3"/>
-              <a:endCxn id="9" idx="1"/>
+              <a:stCxn id="22" idx="2"/>
+              <a:endCxn id="37" idx="0"/>
+            </p:cNvCxnSpPr>
+            <p:nvPr/>
+          </p:nvCxnSpPr>
+          <p:spPr>
+            <a:xfrm flipH="1">
+              <a:off x="9628279" y="2912078"/>
+              <a:ext cx="651580" cy="638488"/>
+            </a:xfrm>
+            <a:prstGeom prst="straightConnector1">
+              <a:avLst/>
+            </a:prstGeom>
+            <a:ln>
+              <a:tailEnd type="triangle"/>
+            </a:ln>
+          </p:spPr>
+          <p:style>
+            <a:lnRef idx="3">
+              <a:schemeClr val="dk1"/>
+            </a:lnRef>
+            <a:fillRef idx="0">
+              <a:schemeClr val="dk1"/>
+            </a:fillRef>
+            <a:effectRef idx="2">
+              <a:schemeClr val="dk1"/>
+            </a:effectRef>
+            <a:fontRef idx="minor">
+              <a:schemeClr val="tx1"/>
+            </a:fontRef>
+          </p:style>
+        </p:cxnSp>
+        <p:cxnSp>
+          <p:nvCxnSpPr>
+            <p:cNvPr id="58" name="Straight Arrow Connector 57">
+              <a:extLst>
+                <a:ext uri="{FF2B5EF4-FFF2-40B4-BE49-F238E27FC236}">
+                  <a16:creationId xmlns:a16="http://schemas.microsoft.com/office/drawing/2014/main" id="{A7801623-B967-CD4A-B082-D9945F189362}"/>
+                </a:ext>
+              </a:extLst>
+            </p:cNvPr>
+            <p:cNvCxnSpPr>
+              <a:cxnSpLocks/>
+              <a:stCxn id="22" idx="2"/>
+              <a:endCxn id="54" idx="0"/>
             </p:cNvCxnSpPr>
             <p:nvPr/>
           </p:nvCxnSpPr>
           <p:spPr>
             <a:xfrm>
-              <a:off x="6040117" y="3913563"/>
-              <a:ext cx="1397588" cy="557685"/>
+              <a:off x="10279859" y="2912078"/>
+              <a:ext cx="237412" cy="638859"/>
             </a:xfrm>
             <a:prstGeom prst="straightConnector1">
               <a:avLst/>
@@ -3904,10 +5247,10 @@
         </p:cxnSp>
         <p:sp>
           <p:nvSpPr>
-            <p:cNvPr id="13" name="Rectangle 12">
+            <p:cNvPr id="67" name="Rectangle 66">
               <a:extLst>
                 <a:ext uri="{FF2B5EF4-FFF2-40B4-BE49-F238E27FC236}">
-                  <a16:creationId xmlns:a16="http://schemas.microsoft.com/office/drawing/2014/main" id="{D3F82C0D-4AFD-B842-9293-7B1FB40CFC17}"/>
+                  <a16:creationId xmlns:a16="http://schemas.microsoft.com/office/drawing/2014/main" id="{B033F32B-14E8-394A-8B88-A8F79A48BC1F}"/>
                 </a:ext>
               </a:extLst>
             </p:cNvPr>
@@ -3916,599 +5259,19 @@
           </p:nvSpPr>
           <p:spPr>
             <a:xfrm>
-              <a:off x="7346474" y="5084577"/>
-              <a:ext cx="1046830" cy="276813"/>
+              <a:off x="11031160" y="3550566"/>
+              <a:ext cx="750205" cy="310906"/>
             </a:xfrm>
             <a:prstGeom prst="rect">
               <a:avLst/>
             </a:prstGeom>
-          </p:spPr>
-          <p:style>
-            <a:lnRef idx="2">
-              <a:schemeClr val="accent6">
-                <a:shade val="50000"/>
-              </a:schemeClr>
-            </a:lnRef>
-            <a:fillRef idx="1">
-              <a:schemeClr val="accent6"/>
-            </a:fillRef>
-            <a:effectRef idx="0">
-              <a:schemeClr val="accent6"/>
-            </a:effectRef>
-            <a:fontRef idx="minor">
-              <a:schemeClr val="lt1"/>
-            </a:fontRef>
-          </p:style>
-          <p:txBody>
-            <a:bodyPr rtlCol="0" anchor="ctr"/>
-            <a:lstStyle/>
-            <a:p>
-              <a:pPr algn="ctr"/>
-              <a:r>
-                <a:rPr lang="en-US" sz="900"/>
-                <a:t>yyyy.mm.dd.pickle</a:t>
-              </a:r>
-            </a:p>
-          </p:txBody>
-        </p:sp>
-        <p:cxnSp>
-          <p:nvCxnSpPr>
-            <p:cNvPr id="14" name="Straight Arrow Connector 13">
-              <a:extLst>
-                <a:ext uri="{FF2B5EF4-FFF2-40B4-BE49-F238E27FC236}">
-                  <a16:creationId xmlns:a16="http://schemas.microsoft.com/office/drawing/2014/main" id="{71783577-7693-FB43-A9E6-B17B51388E8B}"/>
-                </a:ext>
-              </a:extLst>
-            </p:cNvPr>
-            <p:cNvCxnSpPr>
-              <a:cxnSpLocks/>
-              <a:stCxn id="2" idx="2"/>
-              <a:endCxn id="13" idx="1"/>
-            </p:cNvCxnSpPr>
-            <p:nvPr/>
-          </p:nvCxnSpPr>
-          <p:spPr>
-            <a:xfrm>
-              <a:off x="5317372" y="4226508"/>
-              <a:ext cx="2029102" cy="996476"/>
-            </a:xfrm>
-            <a:prstGeom prst="straightConnector1">
-              <a:avLst/>
-            </a:prstGeom>
             <a:ln>
-              <a:tailEnd type="triangle"/>
+              <a:solidFill>
+                <a:schemeClr val="accent2">
+                  <a:lumMod val="75000"/>
+                </a:schemeClr>
+              </a:solidFill>
             </a:ln>
-          </p:spPr>
-          <p:style>
-            <a:lnRef idx="3">
-              <a:schemeClr val="dk1"/>
-            </a:lnRef>
-            <a:fillRef idx="0">
-              <a:schemeClr val="dk1"/>
-            </a:fillRef>
-            <a:effectRef idx="2">
-              <a:schemeClr val="dk1"/>
-            </a:effectRef>
-            <a:fontRef idx="minor">
-              <a:schemeClr val="tx1"/>
-            </a:fontRef>
-          </p:style>
-        </p:cxnSp>
-        <p:sp>
-          <p:nvSpPr>
-            <p:cNvPr id="15" name="Rectangle 14">
-              <a:extLst>
-                <a:ext uri="{FF2B5EF4-FFF2-40B4-BE49-F238E27FC236}">
-                  <a16:creationId xmlns:a16="http://schemas.microsoft.com/office/drawing/2014/main" id="{2D951471-A788-C04E-901A-8178B70683B9}"/>
-                </a:ext>
-              </a:extLst>
-            </p:cNvPr>
-            <p:cNvSpPr/>
-            <p:nvPr/>
-          </p:nvSpPr>
-          <p:spPr>
-            <a:xfrm>
-              <a:off x="7162476" y="2372227"/>
-              <a:ext cx="1297150" cy="369332"/>
-            </a:xfrm>
-            <a:prstGeom prst="rect">
-              <a:avLst/>
-            </a:prstGeom>
-          </p:spPr>
-          <p:txBody>
-            <a:bodyPr wrap="none">
-              <a:spAutoFit/>
-            </a:bodyPr>
-            <a:lstStyle/>
-            <a:p>
-              <a:pPr algn="ctr"/>
-              <a:r>
-                <a:rPr lang="en-US">
-                  <a:solidFill>
-                    <a:schemeClr val="bg1"/>
-                  </a:solidFill>
-                </a:rPr>
-                <a:t>DataReader</a:t>
-              </a:r>
-            </a:p>
-          </p:txBody>
-        </p:sp>
-        <p:sp>
-          <p:nvSpPr>
-            <p:cNvPr id="16" name="Rectangle 15">
-              <a:extLst>
-                <a:ext uri="{FF2B5EF4-FFF2-40B4-BE49-F238E27FC236}">
-                  <a16:creationId xmlns:a16="http://schemas.microsoft.com/office/drawing/2014/main" id="{9EECA6AA-96AD-E846-BAB2-C9F345CA0730}"/>
-                </a:ext>
-              </a:extLst>
-            </p:cNvPr>
-            <p:cNvSpPr/>
-            <p:nvPr/>
-          </p:nvSpPr>
-          <p:spPr>
-            <a:xfrm>
-              <a:off x="7184657" y="2989687"/>
-              <a:ext cx="1144540" cy="232405"/>
-            </a:xfrm>
-            <a:prstGeom prst="rect">
-              <a:avLst/>
-            </a:prstGeom>
-          </p:spPr>
-          <p:style>
-            <a:lnRef idx="2">
-              <a:schemeClr val="accent6">
-                <a:shade val="50000"/>
-              </a:schemeClr>
-            </a:lnRef>
-            <a:fillRef idx="1">
-              <a:schemeClr val="accent6"/>
-            </a:fillRef>
-            <a:effectRef idx="0">
-              <a:schemeClr val="accent6"/>
-            </a:effectRef>
-            <a:fontRef idx="minor">
-              <a:schemeClr val="lt1"/>
-            </a:fontRef>
-          </p:style>
-          <p:txBody>
-            <a:bodyPr rtlCol="0" anchor="ctr"/>
-            <a:lstStyle/>
-            <a:p>
-              <a:pPr algn="ctr"/>
-              <a:r>
-                <a:rPr lang="en-US" sz="1000"/>
-                <a:t>TrainDataRead</a:t>
-              </a:r>
-            </a:p>
-          </p:txBody>
-        </p:sp>
-        <p:sp>
-          <p:nvSpPr>
-            <p:cNvPr id="17" name="Rectangle 16">
-              <a:extLst>
-                <a:ext uri="{FF2B5EF4-FFF2-40B4-BE49-F238E27FC236}">
-                  <a16:creationId xmlns:a16="http://schemas.microsoft.com/office/drawing/2014/main" id="{97704150-EDB2-9D42-B3DD-EAEDC7C308DD}"/>
-                </a:ext>
-              </a:extLst>
-            </p:cNvPr>
-            <p:cNvSpPr/>
-            <p:nvPr/>
-          </p:nvSpPr>
-          <p:spPr>
-            <a:xfrm>
-              <a:off x="7184986" y="2697148"/>
-              <a:ext cx="1144540" cy="232405"/>
-            </a:xfrm>
-            <a:prstGeom prst="rect">
-              <a:avLst/>
-            </a:prstGeom>
-          </p:spPr>
-          <p:style>
-            <a:lnRef idx="2">
-              <a:schemeClr val="accent6">
-                <a:shade val="50000"/>
-              </a:schemeClr>
-            </a:lnRef>
-            <a:fillRef idx="1">
-              <a:schemeClr val="accent6"/>
-            </a:fillRef>
-            <a:effectRef idx="0">
-              <a:schemeClr val="accent6"/>
-            </a:effectRef>
-            <a:fontRef idx="minor">
-              <a:schemeClr val="lt1"/>
-            </a:fontRef>
-          </p:style>
-          <p:txBody>
-            <a:bodyPr rtlCol="0" anchor="ctr"/>
-            <a:lstStyle/>
-            <a:p>
-              <a:pPr algn="ctr"/>
-              <a:r>
-                <a:rPr lang="en-US" sz="1000"/>
-                <a:t>TestDataRead</a:t>
-              </a:r>
-            </a:p>
-          </p:txBody>
-        </p:sp>
-        <p:grpSp>
-          <p:nvGrpSpPr>
-            <p:cNvPr id="33" name="Group 32">
-              <a:extLst>
-                <a:ext uri="{FF2B5EF4-FFF2-40B4-BE49-F238E27FC236}">
-                  <a16:creationId xmlns:a16="http://schemas.microsoft.com/office/drawing/2014/main" id="{F4D89303-5C23-464E-8AF9-1C4AEACE94F2}"/>
-                </a:ext>
-              </a:extLst>
-            </p:cNvPr>
-            <p:cNvGrpSpPr/>
-            <p:nvPr/>
-          </p:nvGrpSpPr>
-          <p:grpSpPr>
-            <a:xfrm>
-              <a:off x="3585061" y="2210359"/>
-              <a:ext cx="4811432" cy="2666261"/>
-              <a:chOff x="3585061" y="2210359"/>
-              <a:chExt cx="4811432" cy="2666261"/>
-            </a:xfrm>
-          </p:grpSpPr>
-          <p:grpSp>
-            <p:nvGrpSpPr>
-              <p:cNvPr id="6" name="Group 5">
-                <a:extLst>
-                  <a:ext uri="{FF2B5EF4-FFF2-40B4-BE49-F238E27FC236}">
-                    <a16:creationId xmlns:a16="http://schemas.microsoft.com/office/drawing/2014/main" id="{BDEC9A83-3F22-6F4E-8F25-80AB81F6CAA6}"/>
-                  </a:ext>
-                </a:extLst>
-              </p:cNvPr>
-              <p:cNvGrpSpPr/>
-              <p:nvPr/>
-            </p:nvGrpSpPr>
-            <p:grpSpPr>
-              <a:xfrm>
-                <a:off x="7349663" y="4151406"/>
-                <a:ext cx="1046830" cy="725214"/>
-                <a:chOff x="4471101" y="3178328"/>
-                <a:chExt cx="1046830" cy="725214"/>
-              </a:xfrm>
-            </p:grpSpPr>
-            <p:sp>
-              <p:nvSpPr>
-                <p:cNvPr id="8" name="Rectangle 7">
-                  <a:extLst>
-                    <a:ext uri="{FF2B5EF4-FFF2-40B4-BE49-F238E27FC236}">
-                      <a16:creationId xmlns:a16="http://schemas.microsoft.com/office/drawing/2014/main" id="{7265EE86-EAE6-F44A-88CF-BF0A332E9DE4}"/>
-                    </a:ext>
-                  </a:extLst>
-                </p:cNvPr>
-                <p:cNvSpPr/>
-                <p:nvPr/>
-              </p:nvSpPr>
-              <p:spPr>
-                <a:xfrm>
-                  <a:off x="4471101" y="3178328"/>
-                  <a:ext cx="1046830" cy="725214"/>
-                </a:xfrm>
-                <a:prstGeom prst="rect">
-                  <a:avLst/>
-                </a:prstGeom>
-              </p:spPr>
-              <p:style>
-                <a:lnRef idx="2">
-                  <a:schemeClr val="accent6">
-                    <a:shade val="50000"/>
-                  </a:schemeClr>
-                </a:lnRef>
-                <a:fillRef idx="1">
-                  <a:schemeClr val="accent6"/>
-                </a:fillRef>
-                <a:effectRef idx="0">
-                  <a:schemeClr val="accent6"/>
-                </a:effectRef>
-                <a:fontRef idx="minor">
-                  <a:schemeClr val="lt1"/>
-                </a:fontRef>
-              </p:style>
-              <p:txBody>
-                <a:bodyPr rtlCol="0" anchor="ctr"/>
-                <a:lstStyle/>
-                <a:p>
-                  <a:pPr algn="ctr"/>
-                  <a:endParaRPr lang="en-US" sz="1100"/>
-                </a:p>
-              </p:txBody>
-            </p:sp>
-            <p:sp>
-              <p:nvSpPr>
-                <p:cNvPr id="9" name="Rectangle 8">
-                  <a:extLst>
-                    <a:ext uri="{FF2B5EF4-FFF2-40B4-BE49-F238E27FC236}">
-                      <a16:creationId xmlns:a16="http://schemas.microsoft.com/office/drawing/2014/main" id="{CA088A1F-D9E1-394C-B105-29FBC4C1586C}"/>
-                    </a:ext>
-                  </a:extLst>
-                </p:cNvPr>
-                <p:cNvSpPr/>
-                <p:nvPr/>
-              </p:nvSpPr>
-              <p:spPr>
-                <a:xfrm>
-                  <a:off x="4559143" y="3396284"/>
-                  <a:ext cx="876808" cy="203771"/>
-                </a:xfrm>
-                <a:prstGeom prst="rect">
-                  <a:avLst/>
-                </a:prstGeom>
-              </p:spPr>
-              <p:style>
-                <a:lnRef idx="2">
-                  <a:schemeClr val="accent6">
-                    <a:shade val="50000"/>
-                  </a:schemeClr>
-                </a:lnRef>
-                <a:fillRef idx="1">
-                  <a:schemeClr val="accent6"/>
-                </a:fillRef>
-                <a:effectRef idx="0">
-                  <a:schemeClr val="accent6"/>
-                </a:effectRef>
-                <a:fontRef idx="minor">
-                  <a:schemeClr val="lt1"/>
-                </a:fontRef>
-              </p:style>
-              <p:txBody>
-                <a:bodyPr rtlCol="0" anchor="ctr"/>
-                <a:lstStyle/>
-                <a:p>
-                  <a:pPr algn="ctr"/>
-                  <a:r>
-                    <a:rPr lang="en-US" sz="1100"/>
-                    <a:t>tbTrain</a:t>
-                  </a:r>
-                </a:p>
-              </p:txBody>
-            </p:sp>
-            <p:sp>
-              <p:nvSpPr>
-                <p:cNvPr id="10" name="Rectangle 9">
-                  <a:extLst>
-                    <a:ext uri="{FF2B5EF4-FFF2-40B4-BE49-F238E27FC236}">
-                      <a16:creationId xmlns:a16="http://schemas.microsoft.com/office/drawing/2014/main" id="{5618DD38-34E0-F549-9CED-9F41D42E9577}"/>
-                    </a:ext>
-                  </a:extLst>
-                </p:cNvPr>
-                <p:cNvSpPr/>
-                <p:nvPr/>
-              </p:nvSpPr>
-              <p:spPr>
-                <a:xfrm>
-                  <a:off x="4559143" y="3636315"/>
-                  <a:ext cx="876808" cy="203771"/>
-                </a:xfrm>
-                <a:prstGeom prst="rect">
-                  <a:avLst/>
-                </a:prstGeom>
-              </p:spPr>
-              <p:style>
-                <a:lnRef idx="2">
-                  <a:schemeClr val="accent4">
-                    <a:shade val="50000"/>
-                  </a:schemeClr>
-                </a:lnRef>
-                <a:fillRef idx="1">
-                  <a:schemeClr val="accent4"/>
-                </a:fillRef>
-                <a:effectRef idx="0">
-                  <a:schemeClr val="accent4"/>
-                </a:effectRef>
-                <a:fontRef idx="minor">
-                  <a:schemeClr val="lt1"/>
-                </a:fontRef>
-              </p:style>
-              <p:txBody>
-                <a:bodyPr rtlCol="0" anchor="ctr"/>
-                <a:lstStyle/>
-                <a:p>
-                  <a:pPr algn="ctr"/>
-                  <a:r>
-                    <a:rPr lang="en-US" sz="1100"/>
-                    <a:t>tbInfer</a:t>
-                  </a:r>
-                </a:p>
-              </p:txBody>
-            </p:sp>
-          </p:grpSp>
-          <p:sp>
-            <p:nvSpPr>
-              <p:cNvPr id="7" name="Rectangle 6">
-                <a:extLst>
-                  <a:ext uri="{FF2B5EF4-FFF2-40B4-BE49-F238E27FC236}">
-                    <a16:creationId xmlns:a16="http://schemas.microsoft.com/office/drawing/2014/main" id="{34652B90-CB00-0044-9DC3-A69BDD4DD29B}"/>
-                  </a:ext>
-                </a:extLst>
-              </p:cNvPr>
-              <p:cNvSpPr/>
-              <p:nvPr/>
-            </p:nvSpPr>
-            <p:spPr>
-              <a:xfrm>
-                <a:off x="7437705" y="4165592"/>
-                <a:ext cx="876808" cy="156082"/>
-              </a:xfrm>
-              <a:prstGeom prst="rect">
-                <a:avLst/>
-              </a:prstGeom>
-              <a:solidFill>
-                <a:schemeClr val="accent6"/>
-              </a:solidFill>
-              <a:ln>
-                <a:noFill/>
-              </a:ln>
-            </p:spPr>
-            <p:style>
-              <a:lnRef idx="2">
-                <a:schemeClr val="accent6">
-                  <a:shade val="50000"/>
-                </a:schemeClr>
-              </a:lnRef>
-              <a:fillRef idx="1">
-                <a:schemeClr val="accent6"/>
-              </a:fillRef>
-              <a:effectRef idx="0">
-                <a:schemeClr val="accent6"/>
-              </a:effectRef>
-              <a:fontRef idx="minor">
-                <a:schemeClr val="lt1"/>
-              </a:fontRef>
-            </p:style>
-            <p:txBody>
-              <a:bodyPr rtlCol="0" anchor="ctr"/>
-              <a:lstStyle/>
-              <a:p>
-                <a:pPr algn="ctr"/>
-                <a:r>
-                  <a:rPr lang="en-US" sz="1100">
-                    <a:solidFill>
-                      <a:schemeClr val="bg1"/>
-                    </a:solidFill>
-                  </a:rPr>
-                  <a:t>dbSe</a:t>
-                </a:r>
-              </a:p>
-            </p:txBody>
-          </p:sp>
-          <p:pic>
-            <p:nvPicPr>
-              <p:cNvPr id="19" name="Graphic 18" descr="Cloud outline">
-                <a:extLst>
-                  <a:ext uri="{FF2B5EF4-FFF2-40B4-BE49-F238E27FC236}">
-                    <a16:creationId xmlns:a16="http://schemas.microsoft.com/office/drawing/2014/main" id="{77ACB086-31EE-7841-827A-AD78646B594D}"/>
-                  </a:ext>
-                </a:extLst>
-              </p:cNvPr>
-              <p:cNvPicPr>
-                <a:picLocks noChangeAspect="1"/>
-              </p:cNvPicPr>
-              <p:nvPr/>
-            </p:nvPicPr>
-            <p:blipFill>
-              <a:blip r:embed="rId2">
-                <a:extLst>
-                  <a:ext uri="{96DAC541-7B7A-43D3-8B79-37D633B846F1}">
-                    <asvg:svgBlip xmlns:asvg="http://schemas.microsoft.com/office/drawing/2016/SVG/main" r:embed="rId3"/>
-                  </a:ext>
-                </a:extLst>
-              </a:blip>
-              <a:stretch>
-                <a:fillRect/>
-              </a:stretch>
-            </p:blipFill>
-            <p:spPr>
-              <a:xfrm>
-                <a:off x="3585061" y="2210359"/>
-                <a:ext cx="1291621" cy="1291621"/>
-              </a:xfrm>
-              <a:prstGeom prst="rect">
-                <a:avLst/>
-              </a:prstGeom>
-            </p:spPr>
-          </p:pic>
-          <p:sp>
-            <p:nvSpPr>
-              <p:cNvPr id="20" name="Rectangle 19">
-                <a:extLst>
-                  <a:ext uri="{FF2B5EF4-FFF2-40B4-BE49-F238E27FC236}">
-                    <a16:creationId xmlns:a16="http://schemas.microsoft.com/office/drawing/2014/main" id="{6BC4A068-8F5B-2C41-A077-718620D2903C}"/>
-                  </a:ext>
-                </a:extLst>
-              </p:cNvPr>
-              <p:cNvSpPr/>
-              <p:nvPr/>
-            </p:nvSpPr>
-            <p:spPr>
-              <a:xfrm>
-                <a:off x="3821681" y="2745544"/>
-                <a:ext cx="769763" cy="307777"/>
-              </a:xfrm>
-              <a:prstGeom prst="rect">
-                <a:avLst/>
-              </a:prstGeom>
-            </p:spPr>
-            <p:txBody>
-              <a:bodyPr wrap="none">
-                <a:spAutoFit/>
-              </a:bodyPr>
-              <a:lstStyle/>
-              <a:p>
-                <a:pPr algn="ctr"/>
-                <a:r>
-                  <a:rPr lang="en-US" sz="1400"/>
-                  <a:t>yfinance</a:t>
-                </a:r>
-              </a:p>
-            </p:txBody>
-          </p:sp>
-        </p:grpSp>
-        <p:cxnSp>
-          <p:nvCxnSpPr>
-            <p:cNvPr id="21" name="Straight Arrow Connector 20">
-              <a:extLst>
-                <a:ext uri="{FF2B5EF4-FFF2-40B4-BE49-F238E27FC236}">
-                  <a16:creationId xmlns:a16="http://schemas.microsoft.com/office/drawing/2014/main" id="{2F579FDF-3E94-574D-A060-DF60BABD42E2}"/>
-                </a:ext>
-              </a:extLst>
-            </p:cNvPr>
-            <p:cNvCxnSpPr>
-              <a:cxnSpLocks/>
-              <a:stCxn id="17" idx="1"/>
-            </p:cNvCxnSpPr>
-            <p:nvPr/>
-          </p:nvCxnSpPr>
-          <p:spPr>
-            <a:xfrm flipH="1">
-              <a:off x="4594626" y="2813351"/>
-              <a:ext cx="2590360" cy="26815"/>
-            </a:xfrm>
-            <a:prstGeom prst="straightConnector1">
-              <a:avLst/>
-            </a:prstGeom>
-            <a:ln>
-              <a:tailEnd type="triangle"/>
-            </a:ln>
-          </p:spPr>
-          <p:style>
-            <a:lnRef idx="3">
-              <a:schemeClr val="dk1"/>
-            </a:lnRef>
-            <a:fillRef idx="0">
-              <a:schemeClr val="dk1"/>
-            </a:fillRef>
-            <a:effectRef idx="2">
-              <a:schemeClr val="dk1"/>
-            </a:effectRef>
-            <a:fontRef idx="minor">
-              <a:schemeClr val="tx1"/>
-            </a:fontRef>
-          </p:style>
-        </p:cxnSp>
-        <p:sp>
-          <p:nvSpPr>
-            <p:cNvPr id="22" name="Rectangle 21">
-              <a:extLst>
-                <a:ext uri="{FF2B5EF4-FFF2-40B4-BE49-F238E27FC236}">
-                  <a16:creationId xmlns:a16="http://schemas.microsoft.com/office/drawing/2014/main" id="{A3839697-7342-B84D-AA99-200E19EFB1FD}"/>
-                </a:ext>
-              </a:extLst>
-            </p:cNvPr>
-            <p:cNvSpPr/>
-            <p:nvPr/>
-          </p:nvSpPr>
-          <p:spPr>
-            <a:xfrm>
-              <a:off x="9503912" y="3734682"/>
-              <a:ext cx="1445491" cy="625891"/>
-            </a:xfrm>
-            <a:prstGeom prst="rect">
-              <a:avLst/>
-            </a:prstGeom>
           </p:spPr>
           <p:style>
             <a:lnRef idx="2">
@@ -4532,32 +5295,32 @@
             <a:p>
               <a:pPr algn="ctr"/>
               <a:r>
-                <a:rPr lang="en-US" sz="1600"/>
-                <a:t>ModelInferrer</a:t>
+                <a:rPr lang="en-US" sz="1100"/>
+                <a:t>...</a:t>
               </a:r>
             </a:p>
           </p:txBody>
         </p:sp>
         <p:cxnSp>
           <p:nvCxnSpPr>
-            <p:cNvPr id="23" name="Straight Arrow Connector 22">
+            <p:cNvPr id="68" name="Straight Arrow Connector 67">
               <a:extLst>
                 <a:ext uri="{FF2B5EF4-FFF2-40B4-BE49-F238E27FC236}">
-                  <a16:creationId xmlns:a16="http://schemas.microsoft.com/office/drawing/2014/main" id="{92EDDBB5-8642-B746-88BA-3F729911B998}"/>
+                  <a16:creationId xmlns:a16="http://schemas.microsoft.com/office/drawing/2014/main" id="{FB57AD28-E6E0-E14B-9853-629E1381412A}"/>
                 </a:ext>
               </a:extLst>
             </p:cNvPr>
             <p:cNvCxnSpPr>
               <a:cxnSpLocks/>
-              <a:stCxn id="13" idx="3"/>
-              <a:endCxn id="22" idx="1"/>
+              <a:stCxn id="22" idx="2"/>
+              <a:endCxn id="67" idx="0"/>
             </p:cNvCxnSpPr>
             <p:nvPr/>
           </p:nvCxnSpPr>
           <p:spPr>
-            <a:xfrm flipV="1">
-              <a:off x="8393304" y="4047628"/>
-              <a:ext cx="1110608" cy="1175356"/>
+            <a:xfrm>
+              <a:off x="10279859" y="2912078"/>
+              <a:ext cx="1126404" cy="638488"/>
             </a:xfrm>
             <a:prstGeom prst="straightConnector1">
               <a:avLst/>
@@ -4583,29 +5346,34 @@
         </p:cxnSp>
         <p:cxnSp>
           <p:nvCxnSpPr>
-            <p:cNvPr id="24" name="Straight Arrow Connector 23">
+            <p:cNvPr id="71" name="Straight Arrow Connector 70">
               <a:extLst>
                 <a:ext uri="{FF2B5EF4-FFF2-40B4-BE49-F238E27FC236}">
-                  <a16:creationId xmlns:a16="http://schemas.microsoft.com/office/drawing/2014/main" id="{A5F64025-0FD6-3241-942F-B3902E26FBF8}"/>
+                  <a16:creationId xmlns:a16="http://schemas.microsoft.com/office/drawing/2014/main" id="{EBA5AE3F-D15A-884D-8FB9-2B373875FA48}"/>
                 </a:ext>
               </a:extLst>
             </p:cNvPr>
             <p:cNvCxnSpPr>
               <a:cxnSpLocks/>
-              <a:stCxn id="17" idx="3"/>
-              <a:endCxn id="22" idx="1"/>
+              <a:stCxn id="54" idx="2"/>
+              <a:endCxn id="30" idx="3"/>
             </p:cNvCxnSpPr>
             <p:nvPr/>
           </p:nvCxnSpPr>
           <p:spPr>
-            <a:xfrm>
-              <a:off x="8329526" y="2813351"/>
-              <a:ext cx="1174386" cy="1234277"/>
+            <a:xfrm flipH="1">
+              <a:off x="8680905" y="3861843"/>
+              <a:ext cx="1836366" cy="1623015"/>
             </a:xfrm>
             <a:prstGeom prst="straightConnector1">
               <a:avLst/>
             </a:prstGeom>
             <a:ln>
+              <a:solidFill>
+                <a:schemeClr val="bg2">
+                  <a:lumMod val="50000"/>
+                </a:schemeClr>
+              </a:solidFill>
               <a:tailEnd type="triangle"/>
             </a:ln>
           </p:spPr>
@@ -4626,124 +5394,34 @@
         </p:cxnSp>
         <p:cxnSp>
           <p:nvCxnSpPr>
-            <p:cNvPr id="25" name="Straight Arrow Connector 24">
+            <p:cNvPr id="80" name="Straight Arrow Connector 79">
               <a:extLst>
                 <a:ext uri="{FF2B5EF4-FFF2-40B4-BE49-F238E27FC236}">
-                  <a16:creationId xmlns:a16="http://schemas.microsoft.com/office/drawing/2014/main" id="{8CEA5670-8DAC-B34F-8F5E-1F23E33A14DF}"/>
+                  <a16:creationId xmlns:a16="http://schemas.microsoft.com/office/drawing/2014/main" id="{7BFA0281-BE99-5941-A1D1-5CDFDA8A4E07}"/>
                 </a:ext>
               </a:extLst>
             </p:cNvPr>
             <p:cNvCxnSpPr>
               <a:cxnSpLocks/>
-              <a:stCxn id="22" idx="2"/>
+              <a:stCxn id="54" idx="2"/>
               <a:endCxn id="10" idx="3"/>
             </p:cNvCxnSpPr>
             <p:nvPr/>
           </p:nvCxnSpPr>
           <p:spPr>
             <a:xfrm flipH="1">
-              <a:off x="8314513" y="4360573"/>
-              <a:ext cx="1912145" cy="350706"/>
+              <a:off x="8367714" y="3861843"/>
+              <a:ext cx="2149557" cy="363214"/>
             </a:xfrm>
             <a:prstGeom prst="straightConnector1">
               <a:avLst/>
             </a:prstGeom>
             <a:ln>
-              <a:tailEnd type="triangle"/>
-            </a:ln>
-          </p:spPr>
-          <p:style>
-            <a:lnRef idx="3">
-              <a:schemeClr val="dk1"/>
-            </a:lnRef>
-            <a:fillRef idx="0">
-              <a:schemeClr val="dk1"/>
-            </a:fillRef>
-            <a:effectRef idx="2">
-              <a:schemeClr val="dk1"/>
-            </a:effectRef>
-            <a:fontRef idx="minor">
-              <a:schemeClr val="tx1"/>
-            </a:fontRef>
-          </p:style>
-        </p:cxnSp>
-        <p:pic>
-          <p:nvPicPr>
-            <p:cNvPr id="26" name="Picture 2" descr="Image for post">
-              <a:extLst>
-                <a:ext uri="{FF2B5EF4-FFF2-40B4-BE49-F238E27FC236}">
-                  <a16:creationId xmlns:a16="http://schemas.microsoft.com/office/drawing/2014/main" id="{C7FE380E-A3D4-204B-849F-9569BA039685}"/>
-                </a:ext>
-              </a:extLst>
-            </p:cNvPr>
-            <p:cNvPicPr>
-              <a:picLocks noChangeAspect="1" noChangeArrowheads="1"/>
-            </p:cNvPicPr>
-            <p:nvPr/>
-          </p:nvPicPr>
-          <p:blipFill>
-            <a:blip r:embed="rId4">
-              <a:extLst>
-                <a:ext uri="{28A0092B-C50C-407E-A947-70E740481C1C}">
-                  <a14:useLocalDpi xmlns:a14="http://schemas.microsoft.com/office/drawing/2010/main" val="0"/>
-                </a:ext>
-              </a:extLst>
-            </a:blip>
-            <a:srcRect/>
-            <a:stretch>
-              <a:fillRect/>
-            </a:stretch>
-          </p:blipFill>
-          <p:spPr bwMode="auto">
-            <a:xfrm>
-              <a:off x="1386579" y="4059023"/>
-              <a:ext cx="2949450" cy="1389467"/>
-            </a:xfrm>
-            <a:prstGeom prst="rect">
-              <a:avLst/>
-            </a:prstGeom>
-            <a:noFill/>
-            <a:ln>
               <a:solidFill>
-                <a:schemeClr val="accent1"/>
+                <a:schemeClr val="bg2">
+                  <a:lumMod val="50000"/>
+                </a:schemeClr>
               </a:solidFill>
-            </a:ln>
-            <a:extLst>
-              <a:ext uri="{909E8E84-426E-40DD-AFC4-6F175D3DCCD1}">
-                <a14:hiddenFill xmlns:a14="http://schemas.microsoft.com/office/drawing/2010/main">
-                  <a:solidFill>
-                    <a:srgbClr val="FFFFFF"/>
-                  </a:solidFill>
-                </a14:hiddenFill>
-              </a:ext>
-            </a:extLst>
-          </p:spPr>
-        </p:pic>
-        <p:cxnSp>
-          <p:nvCxnSpPr>
-            <p:cNvPr id="27" name="Straight Arrow Connector 26">
-              <a:extLst>
-                <a:ext uri="{FF2B5EF4-FFF2-40B4-BE49-F238E27FC236}">
-                  <a16:creationId xmlns:a16="http://schemas.microsoft.com/office/drawing/2014/main" id="{9323B8A1-63FD-1543-8B72-54615DC51408}"/>
-                </a:ext>
-              </a:extLst>
-            </p:cNvPr>
-            <p:cNvCxnSpPr>
-              <a:cxnSpLocks/>
-              <a:stCxn id="10" idx="1"/>
-              <a:endCxn id="26" idx="3"/>
-            </p:cNvCxnSpPr>
-            <p:nvPr/>
-          </p:nvCxnSpPr>
-          <p:spPr>
-            <a:xfrm flipH="1">
-              <a:off x="4336029" y="4711279"/>
-              <a:ext cx="3101676" cy="42478"/>
-            </a:xfrm>
-            <a:prstGeom prst="straightConnector1">
-              <a:avLst/>
-            </a:prstGeom>
-            <a:ln>
               <a:tailEnd type="triangle"/>
             </a:ln>
           </p:spPr>
@@ -4764,28 +5442,34 @@
         </p:cxnSp>
         <p:cxnSp>
           <p:nvCxnSpPr>
-            <p:cNvPr id="28" name="Straight Arrow Connector 27">
+            <p:cNvPr id="83" name="Straight Arrow Connector 82">
               <a:extLst>
                 <a:ext uri="{FF2B5EF4-FFF2-40B4-BE49-F238E27FC236}">
-                  <a16:creationId xmlns:a16="http://schemas.microsoft.com/office/drawing/2014/main" id="{D3F529A1-B607-1B4C-8E9E-072A9E1E9CFD}"/>
+                  <a16:creationId xmlns:a16="http://schemas.microsoft.com/office/drawing/2014/main" id="{50469C94-B677-8E42-B5C7-6585D60AA3C4}"/>
                 </a:ext>
               </a:extLst>
             </p:cNvPr>
             <p:cNvCxnSpPr>
               <a:cxnSpLocks/>
-              <a:stCxn id="16" idx="1"/>
+              <a:stCxn id="67" idx="2"/>
+              <a:endCxn id="10" idx="3"/>
             </p:cNvCxnSpPr>
             <p:nvPr/>
           </p:nvCxnSpPr>
           <p:spPr>
             <a:xfrm flipH="1">
-              <a:off x="4586175" y="3105890"/>
-              <a:ext cx="2598482" cy="0"/>
+              <a:off x="8367714" y="3861472"/>
+              <a:ext cx="3038549" cy="363585"/>
             </a:xfrm>
             <a:prstGeom prst="straightConnector1">
               <a:avLst/>
             </a:prstGeom>
             <a:ln>
+              <a:solidFill>
+                <a:schemeClr val="accent2">
+                  <a:lumMod val="75000"/>
+                </a:schemeClr>
+              </a:solidFill>
               <a:tailEnd type="triangle"/>
             </a:ln>
           </p:spPr>
@@ -4806,29 +5490,34 @@
         </p:cxnSp>
         <p:cxnSp>
           <p:nvCxnSpPr>
-            <p:cNvPr id="47" name="Straight Arrow Connector 46">
+            <p:cNvPr id="86" name="Straight Arrow Connector 85">
               <a:extLst>
                 <a:ext uri="{FF2B5EF4-FFF2-40B4-BE49-F238E27FC236}">
-                  <a16:creationId xmlns:a16="http://schemas.microsoft.com/office/drawing/2014/main" id="{B9F44F73-4CB3-B94A-A8B7-A6B79AED2551}"/>
+                  <a16:creationId xmlns:a16="http://schemas.microsoft.com/office/drawing/2014/main" id="{E8F932FD-3616-D049-B71C-0063B9FC8D19}"/>
                 </a:ext>
               </a:extLst>
             </p:cNvPr>
             <p:cNvCxnSpPr>
               <a:cxnSpLocks/>
-              <a:stCxn id="16" idx="2"/>
-              <a:endCxn id="9" idx="0"/>
+              <a:stCxn id="67" idx="2"/>
+              <a:endCxn id="30" idx="3"/>
             </p:cNvCxnSpPr>
             <p:nvPr/>
           </p:nvCxnSpPr>
           <p:spPr>
-            <a:xfrm>
-              <a:off x="7756927" y="3222092"/>
-              <a:ext cx="119182" cy="1147270"/>
+            <a:xfrm flipH="1">
+              <a:off x="8680905" y="3861472"/>
+              <a:ext cx="2725358" cy="1623386"/>
             </a:xfrm>
             <a:prstGeom prst="straightConnector1">
               <a:avLst/>
             </a:prstGeom>
             <a:ln>
+              <a:solidFill>
+                <a:schemeClr val="accent2">
+                  <a:lumMod val="75000"/>
+                </a:schemeClr>
+              </a:solidFill>
               <a:tailEnd type="triangle"/>
             </a:ln>
           </p:spPr>
@@ -4848,181 +5537,6 @@
           </p:style>
         </p:cxnSp>
       </p:grpSp>
-      <p:sp>
-        <p:nvSpPr>
-          <p:cNvPr id="3" name="Title 2">
-            <a:extLst>
-              <a:ext uri="{FF2B5EF4-FFF2-40B4-BE49-F238E27FC236}">
-                <a16:creationId xmlns:a16="http://schemas.microsoft.com/office/drawing/2014/main" id="{F8D78FF1-8EF9-5B40-97FD-A983E13862C0}"/>
-              </a:ext>
-            </a:extLst>
-          </p:cNvPr>
-          <p:cNvSpPr>
-            <a:spLocks noGrp="1"/>
-          </p:cNvSpPr>
-          <p:nvPr>
-            <p:ph type="title"/>
-          </p:nvPr>
-        </p:nvSpPr>
-        <p:spPr>
-          <a:xfrm>
-            <a:off x="1439780" y="779731"/>
-            <a:ext cx="9603275" cy="1049235"/>
-          </a:xfrm>
-        </p:spPr>
-        <p:txBody>
-          <a:bodyPr/>
-          <a:lstStyle/>
-          <a:p>
-            <a:r>
-              <a:rPr lang="en-US"/>
-              <a:t>System architecture</a:t>
-            </a:r>
-          </a:p>
-        </p:txBody>
-      </p:sp>
-      <p:sp>
-        <p:nvSpPr>
-          <p:cNvPr id="30" name="Rectangle 29">
-            <a:extLst>
-              <a:ext uri="{FF2B5EF4-FFF2-40B4-BE49-F238E27FC236}">
-                <a16:creationId xmlns:a16="http://schemas.microsoft.com/office/drawing/2014/main" id="{179C813F-14DC-524F-A8DB-A94061FFC4A8}"/>
-              </a:ext>
-            </a:extLst>
-          </p:cNvPr>
-          <p:cNvSpPr/>
-          <p:nvPr/>
-        </p:nvSpPr>
-        <p:spPr>
-          <a:xfrm>
-            <a:off x="7047599" y="5235748"/>
-            <a:ext cx="1633306" cy="498219"/>
-          </a:xfrm>
-          <a:prstGeom prst="rect">
-            <a:avLst/>
-          </a:prstGeom>
-        </p:spPr>
-        <p:style>
-          <a:lnRef idx="2">
-            <a:schemeClr val="accent1">
-              <a:shade val="50000"/>
-            </a:schemeClr>
-          </a:lnRef>
-          <a:fillRef idx="1">
-            <a:schemeClr val="accent1"/>
-          </a:fillRef>
-          <a:effectRef idx="0">
-            <a:schemeClr val="accent1"/>
-          </a:effectRef>
-          <a:fontRef idx="minor">
-            <a:schemeClr val="lt1"/>
-          </a:fontRef>
-        </p:style>
-        <p:txBody>
-          <a:bodyPr rtlCol="0" anchor="ctr"/>
-          <a:lstStyle/>
-          <a:p>
-            <a:pPr algn="ctr"/>
-            <a:r>
-              <a:rPr lang="en-US" sz="1600"/>
-              <a:t>Utils </a:t>
-            </a:r>
-          </a:p>
-          <a:p>
-            <a:pPr algn="ctr"/>
-            <a:r>
-              <a:rPr lang="en-US" sz="1100"/>
-              <a:t>(pre-process &amp; plotting)</a:t>
-            </a:r>
-          </a:p>
-        </p:txBody>
-      </p:sp>
-      <p:cxnSp>
-        <p:nvCxnSpPr>
-          <p:cNvPr id="31" name="Straight Arrow Connector 30">
-            <a:extLst>
-              <a:ext uri="{FF2B5EF4-FFF2-40B4-BE49-F238E27FC236}">
-                <a16:creationId xmlns:a16="http://schemas.microsoft.com/office/drawing/2014/main" id="{9560BB25-5733-794A-BD91-44E6F6929EB9}"/>
-              </a:ext>
-            </a:extLst>
-          </p:cNvPr>
-          <p:cNvCxnSpPr>
-            <a:cxnSpLocks/>
-            <a:stCxn id="2" idx="2"/>
-            <a:endCxn id="30" idx="1"/>
-          </p:cNvCxnSpPr>
-          <p:nvPr/>
-        </p:nvCxnSpPr>
-        <p:spPr>
-          <a:xfrm>
-            <a:off x="5370573" y="3740286"/>
-            <a:ext cx="1677026" cy="1744572"/>
-          </a:xfrm>
-          <a:prstGeom prst="straightConnector1">
-            <a:avLst/>
-          </a:prstGeom>
-          <a:ln>
-            <a:tailEnd type="triangle"/>
-          </a:ln>
-        </p:spPr>
-        <p:style>
-          <a:lnRef idx="3">
-            <a:schemeClr val="dk1"/>
-          </a:lnRef>
-          <a:fillRef idx="0">
-            <a:schemeClr val="dk1"/>
-          </a:fillRef>
-          <a:effectRef idx="2">
-            <a:schemeClr val="dk1"/>
-          </a:effectRef>
-          <a:fontRef idx="minor">
-            <a:schemeClr val="tx1"/>
-          </a:fontRef>
-        </p:style>
-      </p:cxnSp>
-      <p:cxnSp>
-        <p:nvCxnSpPr>
-          <p:cNvPr id="35" name="Straight Arrow Connector 34">
-            <a:extLst>
-              <a:ext uri="{FF2B5EF4-FFF2-40B4-BE49-F238E27FC236}">
-                <a16:creationId xmlns:a16="http://schemas.microsoft.com/office/drawing/2014/main" id="{92C98C36-5136-AB4C-B6A5-43E3266C2666}"/>
-              </a:ext>
-            </a:extLst>
-          </p:cNvPr>
-          <p:cNvCxnSpPr>
-            <a:cxnSpLocks/>
-            <a:stCxn id="22" idx="2"/>
-            <a:endCxn id="30" idx="3"/>
-          </p:cNvCxnSpPr>
-          <p:nvPr/>
-        </p:nvCxnSpPr>
-        <p:spPr>
-          <a:xfrm flipH="1">
-            <a:off x="8680905" y="3874351"/>
-            <a:ext cx="1598954" cy="1610507"/>
-          </a:xfrm>
-          <a:prstGeom prst="straightConnector1">
-            <a:avLst/>
-          </a:prstGeom>
-          <a:ln>
-            <a:tailEnd type="triangle"/>
-          </a:ln>
-        </p:spPr>
-        <p:style>
-          <a:lnRef idx="3">
-            <a:schemeClr val="dk1"/>
-          </a:lnRef>
-          <a:fillRef idx="0">
-            <a:schemeClr val="dk1"/>
-          </a:fillRef>
-          <a:effectRef idx="2">
-            <a:schemeClr val="dk1"/>
-          </a:effectRef>
-          <a:fontRef idx="minor">
-            <a:schemeClr val="tx1"/>
-          </a:fontRef>
-        </p:style>
-      </p:cxnSp>
     </p:spTree>
     <p:extLst>
       <p:ext uri="{BB962C8B-B14F-4D97-AF65-F5344CB8AC3E}">
